--- a/I DO INO PPT.pptx
+++ b/I DO INO PPT.pptx
@@ -2,10 +2,10 @@
 <file path=ppt/presentation.xml><?xml version="1.0" encoding="utf-8"?>
 <p:presentation xmlns:r="http://schemas.openxmlformats.org/officeDocument/2006/relationships" xmlns:c="http://schemas.openxmlformats.org/drawingml/2006/chart" xmlns:a="http://schemas.openxmlformats.org/drawingml/2006/main" xmlns:dgm="http://schemas.openxmlformats.org/drawingml/2006/diagram" xmlns:dsp="http://schemas.microsoft.com/office/drawing/2008/diagram" xmlns:p="http://schemas.openxmlformats.org/presentationml/2006/main" saveSubsetFonts="1">
   <p:sldMasterIdLst>
-    <p:sldMasterId id="2147483806" r:id="rId1"/>
-    <p:sldMasterId id="2147483807" r:id="rId2"/>
-    <p:sldMasterId id="2147483808" r:id="rId3"/>
-    <p:sldMasterId id="2147483809" r:id="rId4"/>
+    <p:sldMasterId id="2147483766" r:id="rId1"/>
+    <p:sldMasterId id="2147483767" r:id="rId2"/>
+    <p:sldMasterId id="2147483768" r:id="rId3"/>
+    <p:sldMasterId id="2147483769" r:id="rId4"/>
   </p:sldMasterIdLst>
   <p:notesMasterIdLst>
     <p:notesMasterId r:id="rId5"/>
@@ -14868,7 +14868,7 @@
           </a:bodyPr>
           <a:lstStyle/>
           <a:p>
-            <a:pPr marL="0" lvl="0" indent="0" algn="l" defTabSz="927298">
+            <a:pPr marL="0" lvl="0" indent="0" algn="l" defTabSz="912694">
               <a:lnSpc>
                 <a:spcPct val="100000"/>
               </a:lnSpc>
@@ -14933,7 +14933,7 @@
             <a:noAutofit/>
           </a:bodyPr>
           <a:p>
-            <a:pPr marL="269963" lvl="0" indent="-269963" algn="l" defTabSz="927298">
+            <a:pPr marL="269963" lvl="0" indent="-269963" algn="l" defTabSz="912694">
               <a:lnSpc>
                 <a:spcPct val="100000"/>
               </a:lnSpc>
@@ -14978,7 +14978,7 @@
             </a:endParaRPr>
           </a:p>
           <a:p>
-            <a:pPr marL="269963" lvl="0" indent="-269963" algn="l" defTabSz="927298">
+            <a:pPr marL="269963" lvl="0" indent="-269963" algn="l" defTabSz="912694">
               <a:lnSpc>
                 <a:spcPct val="100000"/>
               </a:lnSpc>
@@ -15023,7 +15023,7 @@
             </a:endParaRPr>
           </a:p>
           <a:p>
-            <a:pPr marL="269963" lvl="0" indent="-269963" algn="l" defTabSz="927298">
+            <a:pPr marL="269963" lvl="0" indent="-269963" algn="l" defTabSz="912694">
               <a:lnSpc>
                 <a:spcPct val="100000"/>
               </a:lnSpc>
@@ -15094,7 +15094,7 @@
             </a:endParaRPr>
           </a:p>
           <a:p>
-            <a:pPr marL="269963" lvl="0" indent="-269963" algn="l" defTabSz="927298">
+            <a:pPr marL="269963" lvl="0" indent="-269963" algn="l" defTabSz="912694">
               <a:lnSpc>
                 <a:spcPct val="100000"/>
               </a:lnSpc>
@@ -15125,7 +15125,7 @@
                 <a:ea typeface="한컴 윤고딕 230"/>
                 <a:sym typeface="Wingdings"/>
               </a:rPr>
-              <a:t>밑에는 사진을 넣을 것</a:t>
+              <a:t>밑에는 사진을 넣을 것 ㅇ</a:t>
             </a:r>
             <a:endParaRPr xmlns:mc="http://schemas.openxmlformats.org/markup-compatibility/2006" xmlns:hp="http://schemas.haansoft.com/office/presentation/8.0" lang="ko-KR" altLang="en-US" sz="2400" b="0" i="0" mc:Ignorable="hp" hp:hslEmbossed="0">
               <a:solidFill>
@@ -15139,7 +15139,7 @@
             </a:endParaRPr>
           </a:p>
           <a:p>
-            <a:pPr marL="269963" lvl="0" indent="-269963" algn="l" defTabSz="927298">
+            <a:pPr marL="269963" lvl="0" indent="-269963" algn="l" defTabSz="912694">
               <a:lnSpc>
                 <a:spcPct val="100000"/>
               </a:lnSpc>
@@ -15171,7 +15171,7 @@
             </a:endParaRPr>
           </a:p>
           <a:p>
-            <a:pPr marL="269963" lvl="0" indent="-269963" algn="l" defTabSz="927298">
+            <a:pPr marL="269963" lvl="0" indent="-269963" algn="l" defTabSz="912694">
               <a:lnSpc>
                 <a:spcPct val="100000"/>
               </a:lnSpc>

--- a/I DO INO PPT.pptx
+++ b/I DO INO PPT.pptx
@@ -2,10 +2,10 @@
 <file path=ppt/presentation.xml><?xml version="1.0" encoding="utf-8"?>
 <p:presentation xmlns:r="http://schemas.openxmlformats.org/officeDocument/2006/relationships" xmlns:c="http://schemas.openxmlformats.org/drawingml/2006/chart" xmlns:a="http://schemas.openxmlformats.org/drawingml/2006/main" xmlns:dgm="http://schemas.openxmlformats.org/drawingml/2006/diagram" xmlns:dsp="http://schemas.microsoft.com/office/drawing/2008/diagram" xmlns:p="http://schemas.openxmlformats.org/presentationml/2006/main" saveSubsetFonts="1">
   <p:sldMasterIdLst>
-    <p:sldMasterId id="2147483766" r:id="rId1"/>
-    <p:sldMasterId id="2147483767" r:id="rId2"/>
-    <p:sldMasterId id="2147483768" r:id="rId3"/>
-    <p:sldMasterId id="2147483769" r:id="rId4"/>
+    <p:sldMasterId id="2147483806" r:id="rId1"/>
+    <p:sldMasterId id="2147483807" r:id="rId2"/>
+    <p:sldMasterId id="2147483808" r:id="rId3"/>
+    <p:sldMasterId id="2147483809" r:id="rId4"/>
   </p:sldMasterIdLst>
   <p:notesMasterIdLst>
     <p:notesMasterId r:id="rId5"/>
@@ -14868,7 +14868,7 @@
           </a:bodyPr>
           <a:lstStyle/>
           <a:p>
-            <a:pPr marL="0" lvl="0" indent="0" algn="l" defTabSz="912694">
+            <a:pPr marL="0" lvl="0" indent="0" algn="l" defTabSz="927298">
               <a:lnSpc>
                 <a:spcPct val="100000"/>
               </a:lnSpc>
@@ -14933,7 +14933,7 @@
             <a:noAutofit/>
           </a:bodyPr>
           <a:p>
-            <a:pPr marL="269963" lvl="0" indent="-269963" algn="l" defTabSz="912694">
+            <a:pPr marL="269963" lvl="0" indent="-269963" algn="l" defTabSz="927298">
               <a:lnSpc>
                 <a:spcPct val="100000"/>
               </a:lnSpc>
@@ -14978,7 +14978,7 @@
             </a:endParaRPr>
           </a:p>
           <a:p>
-            <a:pPr marL="269963" lvl="0" indent="-269963" algn="l" defTabSz="912694">
+            <a:pPr marL="269963" lvl="0" indent="-269963" algn="l" defTabSz="927298">
               <a:lnSpc>
                 <a:spcPct val="100000"/>
               </a:lnSpc>
@@ -15023,7 +15023,7 @@
             </a:endParaRPr>
           </a:p>
           <a:p>
-            <a:pPr marL="269963" lvl="0" indent="-269963" algn="l" defTabSz="912694">
+            <a:pPr marL="269963" lvl="0" indent="-269963" algn="l" defTabSz="927298">
               <a:lnSpc>
                 <a:spcPct val="100000"/>
               </a:lnSpc>
@@ -15094,7 +15094,7 @@
             </a:endParaRPr>
           </a:p>
           <a:p>
-            <a:pPr marL="269963" lvl="0" indent="-269963" algn="l" defTabSz="912694">
+            <a:pPr marL="269963" lvl="0" indent="-269963" algn="l" defTabSz="927298">
               <a:lnSpc>
                 <a:spcPct val="100000"/>
               </a:lnSpc>
@@ -15125,7 +15125,7 @@
                 <a:ea typeface="한컴 윤고딕 230"/>
                 <a:sym typeface="Wingdings"/>
               </a:rPr>
-              <a:t>밑에는 사진을 넣을 것 ㅇ</a:t>
+              <a:t>밑에는 사진을 넣을 것</a:t>
             </a:r>
             <a:endParaRPr xmlns:mc="http://schemas.openxmlformats.org/markup-compatibility/2006" xmlns:hp="http://schemas.haansoft.com/office/presentation/8.0" lang="ko-KR" altLang="en-US" sz="2400" b="0" i="0" mc:Ignorable="hp" hp:hslEmbossed="0">
               <a:solidFill>
@@ -15139,7 +15139,7 @@
             </a:endParaRPr>
           </a:p>
           <a:p>
-            <a:pPr marL="269963" lvl="0" indent="-269963" algn="l" defTabSz="912694">
+            <a:pPr marL="269963" lvl="0" indent="-269963" algn="l" defTabSz="927298">
               <a:lnSpc>
                 <a:spcPct val="100000"/>
               </a:lnSpc>
@@ -15171,7 +15171,7 @@
             </a:endParaRPr>
           </a:p>
           <a:p>
-            <a:pPr marL="269963" lvl="0" indent="-269963" algn="l" defTabSz="912694">
+            <a:pPr marL="269963" lvl="0" indent="-269963" algn="l" defTabSz="927298">
               <a:lnSpc>
                 <a:spcPct val="100000"/>
               </a:lnSpc>

--- a/I DO INO PPT.pptx
+++ b/I DO INO PPT.pptx
@@ -2,22 +2,20 @@
 <file path=ppt/presentation.xml><?xml version="1.0" encoding="utf-8"?>
 <p:presentation xmlns:r="http://schemas.openxmlformats.org/officeDocument/2006/relationships" xmlns:c="http://schemas.openxmlformats.org/drawingml/2006/chart" xmlns:a="http://schemas.openxmlformats.org/drawingml/2006/main" xmlns:dgm="http://schemas.openxmlformats.org/drawingml/2006/diagram" xmlns:dsp="http://schemas.microsoft.com/office/drawing/2008/diagram" xmlns:p="http://schemas.openxmlformats.org/presentationml/2006/main" saveSubsetFonts="1">
   <p:sldMasterIdLst>
-    <p:sldMasterId id="2147483806" r:id="rId1"/>
-    <p:sldMasterId id="2147483807" r:id="rId2"/>
-    <p:sldMasterId id="2147483808" r:id="rId3"/>
-    <p:sldMasterId id="2147483809" r:id="rId4"/>
+    <p:sldMasterId id="2147483766" r:id="rId1"/>
+    <p:sldMasterId id="2147483767" r:id="rId2"/>
+    <p:sldMasterId id="2147483768" r:id="rId3"/>
   </p:sldMasterIdLst>
   <p:notesMasterIdLst>
-    <p:notesMasterId r:id="rId5"/>
+    <p:notesMasterId r:id="rId4"/>
   </p:notesMasterIdLst>
   <p:sldIdLst>
-    <p:sldId id="256" r:id="rId6"/>
-    <p:sldId id="257" r:id="rId7"/>
-    <p:sldId id="258" r:id="rId8"/>
-    <p:sldId id="259" r:id="rId9"/>
-    <p:sldId id="260" r:id="rId10"/>
-    <p:sldId id="261" r:id="rId11"/>
-    <p:sldId id="262" r:id="rId12"/>
+    <p:sldId id="256" r:id="rId5"/>
+    <p:sldId id="257" r:id="rId6"/>
+    <p:sldId id="258" r:id="rId7"/>
+    <p:sldId id="259" r:id="rId8"/>
+    <p:sldId id="260" r:id="rId9"/>
+    <p:sldId id="261" r:id="rId10"/>
   </p:sldIdLst>
   <p:sldSz cx="9143389" cy="6857946"/>
   <p:notesSz cx="6858000" cy="9144000"/>
@@ -6494,504 +6492,6 @@
 </p:sldLayout>
 </file>
 
-<file path=ppt/slideLayouts/slideLayout37.xml><?xml version="1.0" encoding="utf-8"?>
-<p:sldLayout xmlns:r="http://schemas.openxmlformats.org/officeDocument/2006/relationships" xmlns:c="http://schemas.openxmlformats.org/drawingml/2006/chart" xmlns:a="http://schemas.openxmlformats.org/drawingml/2006/main" xmlns:dgm="http://schemas.openxmlformats.org/drawingml/2006/diagram" xmlns:dsp="http://schemas.microsoft.com/office/drawing/2008/diagram" xmlns:p="http://schemas.openxmlformats.org/presentationml/2006/main" showMasterPhAnim="1" type="title" preserve="1">
-  <p:cSld name="제목 슬라이드">
-    <p:spTree>
-      <p:nvGrpSpPr>
-        <p:cNvPr id="1" name=""/>
-        <p:cNvGrpSpPr/>
-        <p:nvPr/>
-      </p:nvGrpSpPr>
-      <p:grpSpPr>
-        <a:xfrm>
-          <a:off x="0" y="0"/>
-          <a:ext cx="0" cy="0"/>
-          <a:chOff x="0" y="0"/>
-          <a:chExt cx="0" cy="0"/>
-        </a:xfrm>
-      </p:grpSpPr>
-      <p:sp>
-        <p:nvSpPr>
-          <p:cNvPr id="2" name="제목 1"/>
-          <p:cNvSpPr>
-            <a:spLocks noGrp="1"/>
-          </p:cNvSpPr>
-          <p:nvPr>
-            <p:ph type="ctrTitle" idx="0"/>
-          </p:nvPr>
-        </p:nvSpPr>
-        <p:spPr>
-          <a:xfrm>
-            <a:off x="685800" y="2130425"/>
-            <a:ext cx="7772400" cy="1470025"/>
-          </a:xfrm>
-        </p:spPr>
-        <p:txBody>
-          <a:bodyPr/>
-          <a:lstStyle/>
-          <a:p>
-            <a:r>
-              <a:rPr lang="ko-KR" altLang="en-US" smtClean="0"/>
-              <a:t>마스터 제목 스타일 편집</a:t>
-            </a:r>
-            <a:endParaRPr lang="ko-KR" altLang="en-US"/>
-          </a:p>
-        </p:txBody>
-      </p:sp>
-      <p:sp>
-        <p:nvSpPr>
-          <p:cNvPr id="3" name="부제목 2"/>
-          <p:cNvSpPr>
-            <a:spLocks noGrp="1"/>
-          </p:cNvSpPr>
-          <p:nvPr>
-            <p:ph type="subTitle" idx="1"/>
-          </p:nvPr>
-        </p:nvSpPr>
-        <p:spPr>
-          <a:xfrm>
-            <a:off x="1371600" y="3886200"/>
-            <a:ext cx="6400800" cy="1752600"/>
-          </a:xfrm>
-        </p:spPr>
-        <p:txBody>
-          <a:bodyPr/>
-          <a:lstStyle>
-            <a:lvl1pPr marL="0" indent="0" algn="ctr">
-              <a:buNone/>
-              <a:defRPr>
-                <a:solidFill>
-                  <a:schemeClr val="tx1">
-                    <a:tint val="75000"/>
-                  </a:schemeClr>
-                </a:solidFill>
-              </a:defRPr>
-            </a:lvl1pPr>
-            <a:lvl2pPr marL="457200" indent="0" algn="ctr">
-              <a:buNone/>
-              <a:defRPr>
-                <a:solidFill>
-                  <a:schemeClr val="tx1">
-                    <a:tint val="75000"/>
-                  </a:schemeClr>
-                </a:solidFill>
-              </a:defRPr>
-            </a:lvl2pPr>
-            <a:lvl3pPr marL="914400" indent="0" algn="ctr">
-              <a:buNone/>
-              <a:defRPr>
-                <a:solidFill>
-                  <a:schemeClr val="tx1">
-                    <a:tint val="75000"/>
-                  </a:schemeClr>
-                </a:solidFill>
-              </a:defRPr>
-            </a:lvl3pPr>
-            <a:lvl4pPr marL="1371600" indent="0" algn="ctr">
-              <a:buNone/>
-              <a:defRPr>
-                <a:solidFill>
-                  <a:schemeClr val="tx1">
-                    <a:tint val="75000"/>
-                  </a:schemeClr>
-                </a:solidFill>
-              </a:defRPr>
-            </a:lvl4pPr>
-            <a:lvl5pPr marL="1828800" indent="0" algn="ctr">
-              <a:buNone/>
-              <a:defRPr>
-                <a:solidFill>
-                  <a:schemeClr val="tx1">
-                    <a:tint val="75000"/>
-                  </a:schemeClr>
-                </a:solidFill>
-              </a:defRPr>
-            </a:lvl5pPr>
-            <a:lvl6pPr marL="2286000" indent="0" algn="ctr">
-              <a:buNone/>
-              <a:defRPr>
-                <a:solidFill>
-                  <a:schemeClr val="tx1">
-                    <a:tint val="75000"/>
-                  </a:schemeClr>
-                </a:solidFill>
-              </a:defRPr>
-            </a:lvl6pPr>
-            <a:lvl7pPr marL="2743200" indent="0" algn="ctr">
-              <a:buNone/>
-              <a:defRPr>
-                <a:solidFill>
-                  <a:schemeClr val="tx1">
-                    <a:tint val="75000"/>
-                  </a:schemeClr>
-                </a:solidFill>
-              </a:defRPr>
-            </a:lvl7pPr>
-            <a:lvl8pPr marL="3200400" indent="0" algn="ctr">
-              <a:buNone/>
-              <a:defRPr>
-                <a:solidFill>
-                  <a:schemeClr val="tx1">
-                    <a:tint val="75000"/>
-                  </a:schemeClr>
-                </a:solidFill>
-              </a:defRPr>
-            </a:lvl8pPr>
-            <a:lvl9pPr marL="3657600" indent="0" algn="ctr">
-              <a:buNone/>
-              <a:defRPr>
-                <a:solidFill>
-                  <a:schemeClr val="tx1">
-                    <a:tint val="75000"/>
-                  </a:schemeClr>
-                </a:solidFill>
-              </a:defRPr>
-            </a:lvl9pPr>
-          </a:lstStyle>
-          <a:p>
-            <a:r>
-              <a:rPr lang="ko-KR" altLang="en-US" smtClean="0"/>
-              <a:t>마스터 부제목 스타일 편집</a:t>
-            </a:r>
-            <a:endParaRPr lang="ko-KR" altLang="en-US"/>
-          </a:p>
-        </p:txBody>
-      </p:sp>
-      <p:sp>
-        <p:nvSpPr>
-          <p:cNvPr id="4" name="날짜 개체 틀 3"/>
-          <p:cNvSpPr>
-            <a:spLocks noGrp="1"/>
-          </p:cNvSpPr>
-          <p:nvPr>
-            <p:ph type="dt" sz="half" idx="10"/>
-          </p:nvPr>
-        </p:nvSpPr>
-        <p:spPr/>
-        <p:txBody>
-          <a:bodyPr/>
-          <a:lstStyle/>
-          <a:p>
-            <a:fld id="{D8D7A7C4-C82A-4D21-9AB0-F0C5A1D3EF09}" type="datetime1">
-              <a:rPr lang="ko-KR" altLang="en-US" smtClean="0"/>
-              <a:pPr/>
-              <a:t>2009-12-07</a:t>
-            </a:fld>
-            <a:endParaRPr lang="ko-KR" altLang="en-US"/>
-          </a:p>
-        </p:txBody>
-      </p:sp>
-      <p:sp>
-        <p:nvSpPr>
-          <p:cNvPr id="5" name="바닥글 개체 틀 4"/>
-          <p:cNvSpPr>
-            <a:spLocks noGrp="1"/>
-          </p:cNvSpPr>
-          <p:nvPr>
-            <p:ph type="ftr" sz="quarter" idx="11"/>
-          </p:nvPr>
-        </p:nvSpPr>
-        <p:spPr/>
-        <p:txBody>
-          <a:bodyPr/>
-          <a:lstStyle/>
-          <a:p>
-            <a:endParaRPr lang="ko-KR" altLang="en-US"/>
-          </a:p>
-        </p:txBody>
-      </p:sp>
-      <p:sp>
-        <p:nvSpPr>
-          <p:cNvPr id="6" name="슬라이드 번호 개체 틀 5"/>
-          <p:cNvSpPr>
-            <a:spLocks noGrp="1"/>
-          </p:cNvSpPr>
-          <p:nvPr>
-            <p:ph type="sldNum" sz="quarter" idx="12"/>
-          </p:nvPr>
-        </p:nvSpPr>
-        <p:spPr/>
-        <p:txBody>
-          <a:bodyPr/>
-          <a:lstStyle/>
-          <a:p>
-            <a:fld id="{AD22CD3B-FDDF-4998-970C-76E6E0BEC65F}" type="slidenum">
-              <a:rPr lang="ko-KR" altLang="en-US" smtClean="0"/>
-              <a:pPr/>
-              <a:t>‹#›</a:t>
-            </a:fld>
-            <a:endParaRPr lang="ko-KR" altLang="en-US"/>
-          </a:p>
-        </p:txBody>
-      </p:sp>
-    </p:spTree>
-  </p:cSld>
-  <p:clrMapOvr>
-    <a:masterClrMapping/>
-  </p:clrMapOvr>
-</p:sldLayout>
-</file>
-
-<file path=ppt/slideLayouts/slideLayout38.xml><?xml version="1.0" encoding="utf-8"?>
-<p:sldLayout xmlns:r="http://schemas.openxmlformats.org/officeDocument/2006/relationships" xmlns:c="http://schemas.openxmlformats.org/drawingml/2006/chart" xmlns:a="http://schemas.openxmlformats.org/drawingml/2006/main" xmlns:dgm="http://schemas.openxmlformats.org/drawingml/2006/diagram" xmlns:dsp="http://schemas.microsoft.com/office/drawing/2008/diagram" xmlns:p="http://schemas.openxmlformats.org/presentationml/2006/main" showMasterPhAnim="1" type="obj" preserve="1">
-  <p:cSld name="제목 및 내용">
-    <p:spTree>
-      <p:nvGrpSpPr>
-        <p:cNvPr id="1" name=""/>
-        <p:cNvGrpSpPr/>
-        <p:nvPr/>
-      </p:nvGrpSpPr>
-      <p:grpSpPr>
-        <a:xfrm>
-          <a:off x="0" y="0"/>
-          <a:ext cx="0" cy="0"/>
-          <a:chOff x="0" y="0"/>
-          <a:chExt cx="0" cy="0"/>
-        </a:xfrm>
-      </p:grpSpPr>
-      <p:sp>
-        <p:nvSpPr>
-          <p:cNvPr id="2" name="제목 1"/>
-          <p:cNvSpPr>
-            <a:spLocks noGrp="1"/>
-          </p:cNvSpPr>
-          <p:nvPr>
-            <p:ph type="title" idx="0"/>
-          </p:nvPr>
-        </p:nvSpPr>
-        <p:spPr/>
-        <p:txBody>
-          <a:bodyPr/>
-          <a:lstStyle/>
-          <a:p>
-            <a:r>
-              <a:rPr lang="ko-KR" altLang="en-US" smtClean="0"/>
-              <a:t>마스터 제목 스타일 편집</a:t>
-            </a:r>
-            <a:endParaRPr lang="ko-KR" altLang="en-US"/>
-          </a:p>
-        </p:txBody>
-      </p:sp>
-      <p:sp>
-        <p:nvSpPr>
-          <p:cNvPr id="3" name="내용 개체 틀 2"/>
-          <p:cNvSpPr>
-            <a:spLocks noGrp="1"/>
-          </p:cNvSpPr>
-          <p:nvPr>
-            <p:ph idx="1"/>
-          </p:nvPr>
-        </p:nvSpPr>
-        <p:spPr/>
-        <p:txBody>
-          <a:bodyPr/>
-          <a:lstStyle/>
-          <a:p>
-            <a:pPr lvl="0"/>
-            <a:r>
-              <a:rPr lang="ko-KR" altLang="en-US" smtClean="0"/>
-              <a:t>마스터 텍스트 스타일을 편집합니다</a:t>
-            </a:r>
-          </a:p>
-          <a:p>
-            <a:pPr lvl="1"/>
-            <a:r>
-              <a:rPr lang="ko-KR" altLang="en-US" smtClean="0"/>
-              <a:t>둘째 수준</a:t>
-            </a:r>
-          </a:p>
-          <a:p>
-            <a:pPr lvl="2"/>
-            <a:r>
-              <a:rPr lang="ko-KR" altLang="en-US" smtClean="0"/>
-              <a:t>셋째 수준</a:t>
-            </a:r>
-          </a:p>
-          <a:p>
-            <a:pPr lvl="3"/>
-            <a:r>
-              <a:rPr lang="ko-KR" altLang="en-US" smtClean="0"/>
-              <a:t>넷째 수준</a:t>
-            </a:r>
-          </a:p>
-          <a:p>
-            <a:pPr lvl="4"/>
-            <a:r>
-              <a:rPr lang="ko-KR" altLang="en-US" smtClean="0"/>
-              <a:t>다섯째 수준</a:t>
-            </a:r>
-            <a:endParaRPr lang="ko-KR" altLang="en-US"/>
-          </a:p>
-        </p:txBody>
-      </p:sp>
-      <p:sp>
-        <p:nvSpPr>
-          <p:cNvPr id="4" name="날짜 개체 틀 3"/>
-          <p:cNvSpPr>
-            <a:spLocks noGrp="1"/>
-          </p:cNvSpPr>
-          <p:nvPr>
-            <p:ph type="dt" sz="half" idx="10"/>
-          </p:nvPr>
-        </p:nvSpPr>
-        <p:spPr/>
-        <p:txBody>
-          <a:bodyPr/>
-          <a:lstStyle/>
-          <a:p>
-            <a:fld id="{D8D7A7C4-C82A-4D21-9AB0-F0C5A1D3EF09}" type="datetimeFigureOut">
-              <a:rPr lang="ko-KR" altLang="en-US" smtClean="0"/>
-              <a:pPr/>
-              <a:t>2009-12-07</a:t>
-            </a:fld>
-            <a:endParaRPr lang="ko-KR" altLang="en-US"/>
-          </a:p>
-        </p:txBody>
-      </p:sp>
-      <p:sp>
-        <p:nvSpPr>
-          <p:cNvPr id="5" name="바닥글 개체 틀 4"/>
-          <p:cNvSpPr>
-            <a:spLocks noGrp="1"/>
-          </p:cNvSpPr>
-          <p:nvPr>
-            <p:ph type="ftr" sz="quarter" idx="11"/>
-          </p:nvPr>
-        </p:nvSpPr>
-        <p:spPr/>
-        <p:txBody>
-          <a:bodyPr/>
-          <a:lstStyle/>
-          <a:p>
-            <a:endParaRPr lang="ko-KR" altLang="en-US"/>
-          </a:p>
-        </p:txBody>
-      </p:sp>
-      <p:sp>
-        <p:nvSpPr>
-          <p:cNvPr id="6" name="슬라이드 번호 개체 틀 5"/>
-          <p:cNvSpPr>
-            <a:spLocks noGrp="1"/>
-          </p:cNvSpPr>
-          <p:nvPr>
-            <p:ph type="sldNum" sz="quarter" idx="12"/>
-          </p:nvPr>
-        </p:nvSpPr>
-        <p:spPr/>
-        <p:txBody>
-          <a:bodyPr/>
-          <a:lstStyle/>
-          <a:p>
-            <a:fld id="{AD22CD3B-FDDF-4998-970C-76E6E0BEC65F}" type="slidenum">
-              <a:rPr lang="ko-KR" altLang="en-US" smtClean="0"/>
-              <a:pPr/>
-              <a:t>‹#›</a:t>
-            </a:fld>
-            <a:endParaRPr lang="ko-KR" altLang="en-US"/>
-          </a:p>
-        </p:txBody>
-      </p:sp>
-    </p:spTree>
-  </p:cSld>
-  <p:clrMapOvr>
-    <a:masterClrMapping/>
-  </p:clrMapOvr>
-</p:sldLayout>
-</file>
-
-<file path=ppt/slideLayouts/slideLayout39.xml><?xml version="1.0" encoding="utf-8"?>
-<p:sldLayout xmlns:r="http://schemas.openxmlformats.org/officeDocument/2006/relationships" xmlns:c="http://schemas.openxmlformats.org/drawingml/2006/chart" xmlns:a="http://schemas.openxmlformats.org/drawingml/2006/main" xmlns:dgm="http://schemas.openxmlformats.org/drawingml/2006/diagram" xmlns:dsp="http://schemas.microsoft.com/office/drawing/2008/diagram" xmlns:p="http://schemas.openxmlformats.org/presentationml/2006/main" showMasterPhAnim="1" type="blank" preserve="1">
-  <p:cSld name="빈 화면">
-    <p:spTree>
-      <p:nvGrpSpPr>
-        <p:cNvPr id="1" name=""/>
-        <p:cNvGrpSpPr/>
-        <p:nvPr/>
-      </p:nvGrpSpPr>
-      <p:grpSpPr>
-        <a:xfrm>
-          <a:off x="0" y="0"/>
-          <a:ext cx="0" cy="0"/>
-          <a:chOff x="0" y="0"/>
-          <a:chExt cx="0" cy="0"/>
-        </a:xfrm>
-      </p:grpSpPr>
-      <p:sp>
-        <p:nvSpPr>
-          <p:cNvPr id="2" name="날짜 개체 틀 1"/>
-          <p:cNvSpPr>
-            <a:spLocks noGrp="1"/>
-          </p:cNvSpPr>
-          <p:nvPr>
-            <p:ph type="dt" sz="half" idx="10"/>
-          </p:nvPr>
-        </p:nvSpPr>
-        <p:spPr/>
-        <p:txBody>
-          <a:bodyPr/>
-          <a:lstStyle/>
-          <a:p>
-            <a:fld id="{D8D7A7C4-C82A-4D21-9AB0-F0C5A1D3EF09}" type="datetimeFigureOut">
-              <a:rPr lang="ko-KR" altLang="en-US" smtClean="0"/>
-              <a:pPr/>
-              <a:t>2009-12-07</a:t>
-            </a:fld>
-            <a:endParaRPr lang="ko-KR" altLang="en-US"/>
-          </a:p>
-        </p:txBody>
-      </p:sp>
-      <p:sp>
-        <p:nvSpPr>
-          <p:cNvPr id="3" name="바닥글 개체 틀 2"/>
-          <p:cNvSpPr>
-            <a:spLocks noGrp="1"/>
-          </p:cNvSpPr>
-          <p:nvPr>
-            <p:ph type="ftr" sz="quarter" idx="11"/>
-          </p:nvPr>
-        </p:nvSpPr>
-        <p:spPr/>
-        <p:txBody>
-          <a:bodyPr/>
-          <a:lstStyle/>
-          <a:p>
-            <a:endParaRPr lang="ko-KR" altLang="en-US"/>
-          </a:p>
-        </p:txBody>
-      </p:sp>
-      <p:sp>
-        <p:nvSpPr>
-          <p:cNvPr id="4" name="슬라이드 번호 개체 틀 3"/>
-          <p:cNvSpPr>
-            <a:spLocks noGrp="1"/>
-          </p:cNvSpPr>
-          <p:nvPr>
-            <p:ph type="sldNum" sz="quarter" idx="12"/>
-          </p:nvPr>
-        </p:nvSpPr>
-        <p:spPr/>
-        <p:txBody>
-          <a:bodyPr/>
-          <a:lstStyle/>
-          <a:p>
-            <a:fld id="{AD22CD3B-FDDF-4998-970C-76E6E0BEC65F}" type="slidenum">
-              <a:rPr lang="ko-KR" altLang="en-US" smtClean="0"/>
-              <a:pPr/>
-              <a:t>‹#›</a:t>
-            </a:fld>
-            <a:endParaRPr lang="ko-KR" altLang="en-US"/>
-          </a:p>
-        </p:txBody>
-      </p:sp>
-    </p:spTree>
-  </p:cSld>
-  <p:clrMapOvr>
-    <a:masterClrMapping/>
-  </p:clrMapOvr>
-</p:sldLayout>
-</file>
-
 <file path=ppt/slideLayouts/slideLayout4.xml><?xml version="1.0" encoding="utf-8"?>
 <p:sldLayout xmlns:r="http://schemas.openxmlformats.org/officeDocument/2006/relationships" xmlns:c="http://schemas.openxmlformats.org/drawingml/2006/chart" xmlns:a="http://schemas.openxmlformats.org/drawingml/2006/main" xmlns:dgm="http://schemas.openxmlformats.org/drawingml/2006/diagram" xmlns:dsp="http://schemas.microsoft.com/office/drawing/2008/diagram" xmlns:p="http://schemas.openxmlformats.org/presentationml/2006/main" showMasterPhAnim="1" type="secHead" preserve="1">
   <p:cSld name="구역 머리글">
@@ -7152,1992 +6652,6 @@
               <a:rPr lang="ko-KR" altLang="en-US" smtClean="0"/>
               <a:t>마스터 텍스트 스타일을 편집합니다</a:t>
             </a:r>
-          </a:p>
-        </p:txBody>
-      </p:sp>
-      <p:sp>
-        <p:nvSpPr>
-          <p:cNvPr id="4" name="날짜 개체 틀 3"/>
-          <p:cNvSpPr>
-            <a:spLocks noGrp="1"/>
-          </p:cNvSpPr>
-          <p:nvPr>
-            <p:ph type="dt" sz="half" idx="10"/>
-          </p:nvPr>
-        </p:nvSpPr>
-        <p:spPr/>
-        <p:txBody>
-          <a:bodyPr/>
-          <a:lstStyle/>
-          <a:p>
-            <a:fld id="{D8D7A7C4-C82A-4D21-9AB0-F0C5A1D3EF09}" type="datetimeFigureOut">
-              <a:rPr lang="ko-KR" altLang="en-US" smtClean="0"/>
-              <a:pPr/>
-              <a:t>2009-12-07</a:t>
-            </a:fld>
-            <a:endParaRPr lang="ko-KR" altLang="en-US"/>
-          </a:p>
-        </p:txBody>
-      </p:sp>
-      <p:sp>
-        <p:nvSpPr>
-          <p:cNvPr id="5" name="바닥글 개체 틀 4"/>
-          <p:cNvSpPr>
-            <a:spLocks noGrp="1"/>
-          </p:cNvSpPr>
-          <p:nvPr>
-            <p:ph type="ftr" sz="quarter" idx="11"/>
-          </p:nvPr>
-        </p:nvSpPr>
-        <p:spPr/>
-        <p:txBody>
-          <a:bodyPr/>
-          <a:lstStyle/>
-          <a:p>
-            <a:endParaRPr lang="ko-KR" altLang="en-US"/>
-          </a:p>
-        </p:txBody>
-      </p:sp>
-      <p:sp>
-        <p:nvSpPr>
-          <p:cNvPr id="6" name="슬라이드 번호 개체 틀 5"/>
-          <p:cNvSpPr>
-            <a:spLocks noGrp="1"/>
-          </p:cNvSpPr>
-          <p:nvPr>
-            <p:ph type="sldNum" sz="quarter" idx="12"/>
-          </p:nvPr>
-        </p:nvSpPr>
-        <p:spPr/>
-        <p:txBody>
-          <a:bodyPr/>
-          <a:lstStyle/>
-          <a:p>
-            <a:fld id="{AD22CD3B-FDDF-4998-970C-76E6E0BEC65F}" type="slidenum">
-              <a:rPr lang="ko-KR" altLang="en-US" smtClean="0"/>
-              <a:pPr/>
-              <a:t>‹#›</a:t>
-            </a:fld>
-            <a:endParaRPr lang="ko-KR" altLang="en-US"/>
-          </a:p>
-        </p:txBody>
-      </p:sp>
-    </p:spTree>
-  </p:cSld>
-  <p:clrMapOvr>
-    <a:masterClrMapping/>
-  </p:clrMapOvr>
-</p:sldLayout>
-</file>
-
-<file path=ppt/slideLayouts/slideLayout40.xml><?xml version="1.0" encoding="utf-8"?>
-<p:sldLayout xmlns:r="http://schemas.openxmlformats.org/officeDocument/2006/relationships" xmlns:c="http://schemas.openxmlformats.org/drawingml/2006/chart" xmlns:a="http://schemas.openxmlformats.org/drawingml/2006/main" xmlns:dgm="http://schemas.openxmlformats.org/drawingml/2006/diagram" xmlns:dsp="http://schemas.microsoft.com/office/drawing/2008/diagram" xmlns:p="http://schemas.openxmlformats.org/presentationml/2006/main" showMasterPhAnim="1" type="secHead" preserve="1">
-  <p:cSld name="구역 머리글">
-    <p:spTree>
-      <p:nvGrpSpPr>
-        <p:cNvPr id="1" name=""/>
-        <p:cNvGrpSpPr/>
-        <p:nvPr/>
-      </p:nvGrpSpPr>
-      <p:grpSpPr>
-        <a:xfrm>
-          <a:off x="0" y="0"/>
-          <a:ext cx="0" cy="0"/>
-          <a:chOff x="0" y="0"/>
-          <a:chExt cx="0" cy="0"/>
-        </a:xfrm>
-      </p:grpSpPr>
-      <p:sp>
-        <p:nvSpPr>
-          <p:cNvPr id="2" name="제목 1"/>
-          <p:cNvSpPr>
-            <a:spLocks noGrp="1"/>
-          </p:cNvSpPr>
-          <p:nvPr>
-            <p:ph type="title" idx="0"/>
-          </p:nvPr>
-        </p:nvSpPr>
-        <p:spPr>
-          <a:xfrm>
-            <a:off x="722313" y="4406900"/>
-            <a:ext cx="7772400" cy="1362075"/>
-          </a:xfrm>
-        </p:spPr>
-        <p:txBody>
-          <a:bodyPr anchor="t"/>
-          <a:lstStyle>
-            <a:lvl1pPr>
-              <a:defRPr sz="4000" b="1" cap="all"/>
-            </a:lvl1pPr>
-          </a:lstStyle>
-          <a:p>
-            <a:r>
-              <a:rPr lang="ko-KR" altLang="en-US" smtClean="0"/>
-              <a:t>마스터 제목 스타일 편집</a:t>
-            </a:r>
-            <a:endParaRPr lang="ko-KR" altLang="en-US"/>
-          </a:p>
-        </p:txBody>
-      </p:sp>
-      <p:sp>
-        <p:nvSpPr>
-          <p:cNvPr id="3" name="텍스트 개체 틀 2"/>
-          <p:cNvSpPr>
-            <a:spLocks noGrp="1"/>
-          </p:cNvSpPr>
-          <p:nvPr>
-            <p:ph type="body" idx="1"/>
-          </p:nvPr>
-        </p:nvSpPr>
-        <p:spPr/>
-        <p:txBody>
-          <a:bodyPr anchor="b"/>
-          <a:lstStyle>
-            <a:lvl1pPr marL="0" indent="0">
-              <a:buNone/>
-              <a:defRPr>
-                <a:solidFill>
-                  <a:schemeClr val="tx1">
-                    <a:tint val="75000"/>
-                  </a:schemeClr>
-                </a:solidFill>
-              </a:defRPr>
-            </a:lvl1pPr>
-            <a:lvl2pPr marL="457200" indent="0">
-              <a:buNone/>
-              <a:defRPr>
-                <a:solidFill>
-                  <a:schemeClr val="tx1">
-                    <a:tint val="75000"/>
-                  </a:schemeClr>
-                </a:solidFill>
-              </a:defRPr>
-            </a:lvl2pPr>
-            <a:lvl3pPr marL="914400" indent="0">
-              <a:buNone/>
-              <a:defRPr>
-                <a:solidFill>
-                  <a:schemeClr val="tx1">
-                    <a:tint val="75000"/>
-                  </a:schemeClr>
-                </a:solidFill>
-              </a:defRPr>
-            </a:lvl3pPr>
-            <a:lvl4pPr marL="1371600" indent="0">
-              <a:buNone/>
-              <a:defRPr>
-                <a:solidFill>
-                  <a:schemeClr val="tx1">
-                    <a:tint val="75000"/>
-                  </a:schemeClr>
-                </a:solidFill>
-              </a:defRPr>
-            </a:lvl4pPr>
-            <a:lvl5pPr marL="1828800" indent="0">
-              <a:buNone/>
-              <a:defRPr>
-                <a:solidFill>
-                  <a:schemeClr val="tx1">
-                    <a:tint val="75000"/>
-                  </a:schemeClr>
-                </a:solidFill>
-              </a:defRPr>
-            </a:lvl5pPr>
-            <a:lvl6pPr marL="2286000" indent="0">
-              <a:buNone/>
-              <a:defRPr>
-                <a:solidFill>
-                  <a:schemeClr val="tx1">
-                    <a:tint val="75000"/>
-                  </a:schemeClr>
-                </a:solidFill>
-              </a:defRPr>
-            </a:lvl6pPr>
-            <a:lvl7pPr marL="2743200" indent="0">
-              <a:buNone/>
-              <a:defRPr>
-                <a:solidFill>
-                  <a:schemeClr val="tx1">
-                    <a:tint val="75000"/>
-                  </a:schemeClr>
-                </a:solidFill>
-              </a:defRPr>
-            </a:lvl7pPr>
-            <a:lvl8pPr marL="3200400" indent="0">
-              <a:buNone/>
-              <a:defRPr>
-                <a:solidFill>
-                  <a:schemeClr val="tx1">
-                    <a:tint val="75000"/>
-                  </a:schemeClr>
-                </a:solidFill>
-              </a:defRPr>
-            </a:lvl8pPr>
-            <a:lvl9pPr marL="3657600" indent="0">
-              <a:buNone/>
-              <a:defRPr>
-                <a:solidFill>
-                  <a:schemeClr val="tx1">
-                    <a:tint val="75000"/>
-                  </a:schemeClr>
-                </a:solidFill>
-              </a:defRPr>
-            </a:lvl9pPr>
-          </a:lstStyle>
-          <a:p>
-            <a:pPr lvl="0"/>
-            <a:r>
-              <a:rPr lang="ko-KR" altLang="en-US" smtClean="0"/>
-              <a:t>마스터 텍스트 스타일을 편집합니다</a:t>
-            </a:r>
-          </a:p>
-        </p:txBody>
-      </p:sp>
-      <p:sp>
-        <p:nvSpPr>
-          <p:cNvPr id="4" name="날짜 개체 틀 3"/>
-          <p:cNvSpPr>
-            <a:spLocks noGrp="1"/>
-          </p:cNvSpPr>
-          <p:nvPr>
-            <p:ph type="dt" sz="half" idx="10"/>
-          </p:nvPr>
-        </p:nvSpPr>
-        <p:spPr/>
-        <p:txBody>
-          <a:bodyPr/>
-          <a:lstStyle/>
-          <a:p>
-            <a:fld id="{D8D7A7C4-C82A-4D21-9AB0-F0C5A1D3EF09}" type="datetimeFigureOut">
-              <a:rPr lang="ko-KR" altLang="en-US" smtClean="0"/>
-              <a:pPr/>
-              <a:t>2009-12-07</a:t>
-            </a:fld>
-            <a:endParaRPr lang="ko-KR" altLang="en-US"/>
-          </a:p>
-        </p:txBody>
-      </p:sp>
-      <p:sp>
-        <p:nvSpPr>
-          <p:cNvPr id="5" name="바닥글 개체 틀 4"/>
-          <p:cNvSpPr>
-            <a:spLocks noGrp="1"/>
-          </p:cNvSpPr>
-          <p:nvPr>
-            <p:ph type="ftr" sz="quarter" idx="11"/>
-          </p:nvPr>
-        </p:nvSpPr>
-        <p:spPr/>
-        <p:txBody>
-          <a:bodyPr/>
-          <a:lstStyle/>
-          <a:p>
-            <a:endParaRPr lang="ko-KR" altLang="en-US"/>
-          </a:p>
-        </p:txBody>
-      </p:sp>
-      <p:sp>
-        <p:nvSpPr>
-          <p:cNvPr id="6" name="슬라이드 번호 개체 틀 5"/>
-          <p:cNvSpPr>
-            <a:spLocks noGrp="1"/>
-          </p:cNvSpPr>
-          <p:nvPr>
-            <p:ph type="sldNum" sz="quarter" idx="12"/>
-          </p:nvPr>
-        </p:nvSpPr>
-        <p:spPr/>
-        <p:txBody>
-          <a:bodyPr/>
-          <a:lstStyle/>
-          <a:p>
-            <a:fld id="{AD22CD3B-FDDF-4998-970C-76E6E0BEC65F}" type="slidenum">
-              <a:rPr lang="ko-KR" altLang="en-US" smtClean="0"/>
-              <a:pPr/>
-              <a:t>‹#›</a:t>
-            </a:fld>
-            <a:endParaRPr lang="ko-KR" altLang="en-US"/>
-          </a:p>
-        </p:txBody>
-      </p:sp>
-    </p:spTree>
-  </p:cSld>
-  <p:clrMapOvr>
-    <a:masterClrMapping/>
-  </p:clrMapOvr>
-</p:sldLayout>
-</file>
-
-<file path=ppt/slideLayouts/slideLayout41.xml><?xml version="1.0" encoding="utf-8"?>
-<p:sldLayout xmlns:r="http://schemas.openxmlformats.org/officeDocument/2006/relationships" xmlns:c="http://schemas.openxmlformats.org/drawingml/2006/chart" xmlns:a="http://schemas.openxmlformats.org/drawingml/2006/main" xmlns:dgm="http://schemas.openxmlformats.org/drawingml/2006/diagram" xmlns:dsp="http://schemas.microsoft.com/office/drawing/2008/diagram" xmlns:p="http://schemas.openxmlformats.org/presentationml/2006/main" showMasterPhAnim="1" type="twoObj" preserve="1">
-  <p:cSld name="제목 및 내용 2개">
-    <p:spTree>
-      <p:nvGrpSpPr>
-        <p:cNvPr id="1" name=""/>
-        <p:cNvGrpSpPr/>
-        <p:nvPr/>
-      </p:nvGrpSpPr>
-      <p:grpSpPr>
-        <a:xfrm>
-          <a:off x="0" y="0"/>
-          <a:ext cx="0" cy="0"/>
-          <a:chOff x="0" y="0"/>
-          <a:chExt cx="0" cy="0"/>
-        </a:xfrm>
-      </p:grpSpPr>
-      <p:sp>
-        <p:nvSpPr>
-          <p:cNvPr id="2" name="제목 1"/>
-          <p:cNvSpPr>
-            <a:spLocks noGrp="1"/>
-          </p:cNvSpPr>
-          <p:nvPr>
-            <p:ph type="title" idx="0"/>
-          </p:nvPr>
-        </p:nvSpPr>
-        <p:spPr/>
-        <p:txBody>
-          <a:bodyPr/>
-          <a:lstStyle/>
-          <a:p>
-            <a:r>
-              <a:rPr lang="ko-KR" altLang="en-US" smtClean="0"/>
-              <a:t>마스터 제목 스타일 편집</a:t>
-            </a:r>
-            <a:endParaRPr lang="ko-KR" altLang="en-US"/>
-          </a:p>
-        </p:txBody>
-      </p:sp>
-      <p:sp>
-        <p:nvSpPr>
-          <p:cNvPr id="3" name="내용 개체 틀 2"/>
-          <p:cNvSpPr>
-            <a:spLocks noGrp="1"/>
-          </p:cNvSpPr>
-          <p:nvPr>
-            <p:ph sz="half" idx="1"/>
-          </p:nvPr>
-        </p:nvSpPr>
-        <p:spPr>
-          <a:xfrm>
-            <a:off x="457200" y="1600200"/>
-            <a:ext cx="4038600" cy="4525963"/>
-          </a:xfrm>
-        </p:spPr>
-        <p:txBody>
-          <a:bodyPr/>
-          <a:lstStyle>
-            <a:lvl1pPr>
-              <a:defRPr sz="2800"/>
-            </a:lvl1pPr>
-            <a:lvl2pPr>
-              <a:defRPr sz="2400"/>
-            </a:lvl2pPr>
-            <a:lvl3pPr>
-              <a:defRPr sz="2000"/>
-            </a:lvl3pPr>
-            <a:lvl4pPr>
-              <a:defRPr sz="1800"/>
-            </a:lvl4pPr>
-            <a:lvl5pPr>
-              <a:defRPr sz="1800"/>
-            </a:lvl5pPr>
-            <a:lvl6pPr>
-              <a:defRPr sz="1800"/>
-            </a:lvl6pPr>
-            <a:lvl7pPr>
-              <a:defRPr sz="1800"/>
-            </a:lvl7pPr>
-            <a:lvl8pPr>
-              <a:defRPr sz="1800"/>
-            </a:lvl8pPr>
-            <a:lvl9pPr>
-              <a:defRPr sz="1800"/>
-            </a:lvl9pPr>
-          </a:lstStyle>
-          <a:p>
-            <a:pPr lvl="0"/>
-            <a:r>
-              <a:rPr lang="ko-KR" altLang="en-US" smtClean="0"/>
-              <a:t>마스터 텍스트 스타일을 편집합니다</a:t>
-            </a:r>
-          </a:p>
-          <a:p>
-            <a:pPr lvl="1"/>
-            <a:r>
-              <a:rPr lang="ko-KR" altLang="en-US" smtClean="0"/>
-              <a:t>둘째 수준</a:t>
-            </a:r>
-          </a:p>
-          <a:p>
-            <a:pPr lvl="2"/>
-            <a:r>
-              <a:rPr lang="ko-KR" altLang="en-US" smtClean="0"/>
-              <a:t>셋째 수준</a:t>
-            </a:r>
-          </a:p>
-          <a:p>
-            <a:pPr lvl="3"/>
-            <a:r>
-              <a:rPr lang="ko-KR" altLang="en-US" smtClean="0"/>
-              <a:t>넷째 수준</a:t>
-            </a:r>
-          </a:p>
-          <a:p>
-            <a:pPr lvl="4"/>
-            <a:r>
-              <a:rPr lang="ko-KR" altLang="en-US" smtClean="0"/>
-              <a:t>다섯째 수준</a:t>
-            </a:r>
-            <a:endParaRPr lang="ko-KR" altLang="en-US"/>
-          </a:p>
-        </p:txBody>
-      </p:sp>
-      <p:sp>
-        <p:nvSpPr>
-          <p:cNvPr id="4" name="내용 개체 틀 3"/>
-          <p:cNvSpPr>
-            <a:spLocks noGrp="1"/>
-          </p:cNvSpPr>
-          <p:nvPr>
-            <p:ph sz="half" idx="2"/>
-          </p:nvPr>
-        </p:nvSpPr>
-        <p:spPr>
-          <a:xfrm>
-            <a:off x="4648200" y="1600200"/>
-            <a:ext cx="4038600" cy="4525963"/>
-          </a:xfrm>
-        </p:spPr>
-        <p:txBody>
-          <a:bodyPr/>
-          <a:lstStyle>
-            <a:lvl1pPr>
-              <a:defRPr sz="2800"/>
-            </a:lvl1pPr>
-            <a:lvl2pPr>
-              <a:defRPr sz="2400"/>
-            </a:lvl2pPr>
-            <a:lvl3pPr>
-              <a:defRPr sz="2000"/>
-            </a:lvl3pPr>
-            <a:lvl4pPr>
-              <a:defRPr sz="1800"/>
-            </a:lvl4pPr>
-            <a:lvl5pPr>
-              <a:defRPr sz="1800"/>
-            </a:lvl5pPr>
-            <a:lvl6pPr>
-              <a:defRPr sz="1800"/>
-            </a:lvl6pPr>
-            <a:lvl7pPr>
-              <a:defRPr sz="1800"/>
-            </a:lvl7pPr>
-            <a:lvl8pPr>
-              <a:defRPr sz="1800"/>
-            </a:lvl8pPr>
-            <a:lvl9pPr>
-              <a:defRPr sz="1800"/>
-            </a:lvl9pPr>
-          </a:lstStyle>
-          <a:p>
-            <a:pPr lvl="0"/>
-            <a:r>
-              <a:rPr lang="ko-KR" altLang="en-US" smtClean="0"/>
-              <a:t>마스터 텍스트 스타일을 편집합니다</a:t>
-            </a:r>
-          </a:p>
-          <a:p>
-            <a:pPr lvl="1"/>
-            <a:r>
-              <a:rPr lang="ko-KR" altLang="en-US" smtClean="0"/>
-              <a:t>둘째 수준</a:t>
-            </a:r>
-          </a:p>
-          <a:p>
-            <a:pPr lvl="2"/>
-            <a:r>
-              <a:rPr lang="ko-KR" altLang="en-US" smtClean="0"/>
-              <a:t>셋째 수준</a:t>
-            </a:r>
-          </a:p>
-          <a:p>
-            <a:pPr lvl="3"/>
-            <a:r>
-              <a:rPr lang="ko-KR" altLang="en-US" smtClean="0"/>
-              <a:t>넷째 수준</a:t>
-            </a:r>
-          </a:p>
-          <a:p>
-            <a:pPr lvl="4"/>
-            <a:r>
-              <a:rPr lang="ko-KR" altLang="en-US" smtClean="0"/>
-              <a:t>다섯째 수준</a:t>
-            </a:r>
-            <a:endParaRPr lang="ko-KR" altLang="en-US"/>
-          </a:p>
-        </p:txBody>
-      </p:sp>
-      <p:sp>
-        <p:nvSpPr>
-          <p:cNvPr id="5" name="날짜 개체 틀 3"/>
-          <p:cNvSpPr>
-            <a:spLocks noGrp="1"/>
-          </p:cNvSpPr>
-          <p:nvPr>
-            <p:ph type="dt" sz="half" idx="10"/>
-          </p:nvPr>
-        </p:nvSpPr>
-        <p:spPr/>
-        <p:txBody>
-          <a:bodyPr/>
-          <a:lstStyle/>
-          <a:p>
-            <a:fld id="{D8D7A7C4-C82A-4D21-9AB0-F0C5A1D3EF09}" type="datetimeFigureOut">
-              <a:rPr lang="ko-KR" altLang="en-US" smtClean="0"/>
-              <a:pPr/>
-              <a:t>2009-12-07</a:t>
-            </a:fld>
-            <a:endParaRPr lang="ko-KR" altLang="en-US"/>
-          </a:p>
-        </p:txBody>
-      </p:sp>
-      <p:sp>
-        <p:nvSpPr>
-          <p:cNvPr id="6" name="바닥글 개체 틀 4"/>
-          <p:cNvSpPr>
-            <a:spLocks noGrp="1"/>
-          </p:cNvSpPr>
-          <p:nvPr>
-            <p:ph type="ftr" sz="quarter" idx="11"/>
-          </p:nvPr>
-        </p:nvSpPr>
-        <p:spPr/>
-        <p:txBody>
-          <a:bodyPr/>
-          <a:lstStyle/>
-          <a:p>
-            <a:endParaRPr lang="ko-KR" altLang="en-US"/>
-          </a:p>
-        </p:txBody>
-      </p:sp>
-      <p:sp>
-        <p:nvSpPr>
-          <p:cNvPr id="7" name="슬라이드 번호 개체 틀 5"/>
-          <p:cNvSpPr>
-            <a:spLocks noGrp="1"/>
-          </p:cNvSpPr>
-          <p:nvPr>
-            <p:ph type="sldNum" sz="quarter" idx="12"/>
-          </p:nvPr>
-        </p:nvSpPr>
-        <p:spPr/>
-        <p:txBody>
-          <a:bodyPr/>
-          <a:lstStyle/>
-          <a:p>
-            <a:fld id="{AD22CD3B-FDDF-4998-970C-76E6E0BEC65F}" type="slidenum">
-              <a:rPr lang="ko-KR" altLang="en-US" smtClean="0"/>
-              <a:pPr/>
-              <a:t>‹#›</a:t>
-            </a:fld>
-            <a:endParaRPr lang="ko-KR" altLang="en-US"/>
-          </a:p>
-        </p:txBody>
-      </p:sp>
-    </p:spTree>
-  </p:cSld>
-  <p:clrMapOvr>
-    <a:masterClrMapping/>
-  </p:clrMapOvr>
-</p:sldLayout>
-</file>
-
-<file path=ppt/slideLayouts/slideLayout42.xml><?xml version="1.0" encoding="utf-8"?>
-<p:sldLayout xmlns:r="http://schemas.openxmlformats.org/officeDocument/2006/relationships" xmlns:c="http://schemas.openxmlformats.org/drawingml/2006/chart" xmlns:a="http://schemas.openxmlformats.org/drawingml/2006/main" xmlns:dgm="http://schemas.openxmlformats.org/drawingml/2006/diagram" xmlns:dsp="http://schemas.microsoft.com/office/drawing/2008/diagram" xmlns:p="http://schemas.openxmlformats.org/presentationml/2006/main" showMasterPhAnim="1" type="titleOnly" preserve="1">
-  <p:cSld name="제목만">
-    <p:spTree>
-      <p:nvGrpSpPr>
-        <p:cNvPr id="1" name=""/>
-        <p:cNvGrpSpPr/>
-        <p:nvPr/>
-      </p:nvGrpSpPr>
-      <p:grpSpPr>
-        <a:xfrm>
-          <a:off x="0" y="0"/>
-          <a:ext cx="0" cy="0"/>
-          <a:chOff x="0" y="0"/>
-          <a:chExt cx="0" cy="0"/>
-        </a:xfrm>
-      </p:grpSpPr>
-      <p:sp>
-        <p:nvSpPr>
-          <p:cNvPr id="2" name="제목 1"/>
-          <p:cNvSpPr>
-            <a:spLocks noGrp="1"/>
-          </p:cNvSpPr>
-          <p:nvPr>
-            <p:ph type="title" idx="0"/>
-          </p:nvPr>
-        </p:nvSpPr>
-        <p:spPr/>
-        <p:txBody>
-          <a:bodyPr/>
-          <a:lstStyle/>
-          <a:p>
-            <a:r>
-              <a:rPr lang="ko-KR" altLang="en-US" smtClean="0"/>
-              <a:t>마스터 제목 스타일 편집</a:t>
-            </a:r>
-            <a:endParaRPr lang="ko-KR" altLang="en-US"/>
-          </a:p>
-        </p:txBody>
-      </p:sp>
-      <p:sp>
-        <p:nvSpPr>
-          <p:cNvPr id="3" name="날짜 개체 틀 2"/>
-          <p:cNvSpPr>
-            <a:spLocks noGrp="1"/>
-          </p:cNvSpPr>
-          <p:nvPr>
-            <p:ph type="dt" sz="half" idx="10"/>
-          </p:nvPr>
-        </p:nvSpPr>
-        <p:spPr/>
-        <p:txBody>
-          <a:bodyPr/>
-          <a:lstStyle/>
-          <a:p>
-            <a:fld id="{D8D7A7C4-C82A-4D21-9AB0-F0C5A1D3EF09}" type="datetimeFigureOut">
-              <a:rPr lang="ko-KR" altLang="en-US" smtClean="0"/>
-              <a:pPr/>
-              <a:t>2009-12-07</a:t>
-            </a:fld>
-            <a:endParaRPr lang="ko-KR" altLang="en-US"/>
-          </a:p>
-        </p:txBody>
-      </p:sp>
-      <p:sp>
-        <p:nvSpPr>
-          <p:cNvPr id="4" name="바닥글 개체 틀 3"/>
-          <p:cNvSpPr>
-            <a:spLocks noGrp="1"/>
-          </p:cNvSpPr>
-          <p:nvPr>
-            <p:ph type="ftr" sz="quarter" idx="11"/>
-          </p:nvPr>
-        </p:nvSpPr>
-        <p:spPr/>
-        <p:txBody>
-          <a:bodyPr/>
-          <a:lstStyle/>
-          <a:p>
-            <a:endParaRPr lang="ko-KR" altLang="en-US"/>
-          </a:p>
-        </p:txBody>
-      </p:sp>
-      <p:sp>
-        <p:nvSpPr>
-          <p:cNvPr id="5" name="슬라이드 번호 개체 틀 4"/>
-          <p:cNvSpPr>
-            <a:spLocks noGrp="1"/>
-          </p:cNvSpPr>
-          <p:nvPr>
-            <p:ph type="sldNum" sz="quarter" idx="12"/>
-          </p:nvPr>
-        </p:nvSpPr>
-        <p:spPr/>
-        <p:txBody>
-          <a:bodyPr/>
-          <a:lstStyle/>
-          <a:p>
-            <a:fld id="{AD22CD3B-FDDF-4998-970C-76E6E0BEC65F}" type="slidenum">
-              <a:rPr lang="ko-KR" altLang="en-US" smtClean="0"/>
-              <a:pPr/>
-              <a:t>‹#›</a:t>
-            </a:fld>
-            <a:endParaRPr lang="ko-KR" altLang="en-US"/>
-          </a:p>
-        </p:txBody>
-      </p:sp>
-    </p:spTree>
-  </p:cSld>
-  <p:clrMapOvr>
-    <a:masterClrMapping/>
-  </p:clrMapOvr>
-</p:sldLayout>
-</file>
-
-<file path=ppt/slideLayouts/slideLayout43.xml><?xml version="1.0" encoding="utf-8"?>
-<p:sldLayout xmlns:r="http://schemas.openxmlformats.org/officeDocument/2006/relationships" xmlns:c="http://schemas.openxmlformats.org/drawingml/2006/chart" xmlns:a="http://schemas.openxmlformats.org/drawingml/2006/main" xmlns:dgm="http://schemas.openxmlformats.org/drawingml/2006/diagram" xmlns:dsp="http://schemas.microsoft.com/office/drawing/2008/diagram" xmlns:p="http://schemas.openxmlformats.org/presentationml/2006/main" showMasterPhAnim="1" type="tbl" preserve="1">
-  <p:cSld name="제목 및 표">
-    <p:spTree>
-      <p:nvGrpSpPr>
-        <p:cNvPr id="1" name=""/>
-        <p:cNvGrpSpPr/>
-        <p:nvPr/>
-      </p:nvGrpSpPr>
-      <p:grpSpPr>
-        <a:xfrm>
-          <a:off x="0" y="0"/>
-          <a:ext cx="0" cy="0"/>
-          <a:chOff x="0" y="0"/>
-          <a:chExt cx="0" cy="0"/>
-        </a:xfrm>
-      </p:grpSpPr>
-      <p:sp>
-        <p:nvSpPr>
-          <p:cNvPr id="2" name="제목 1"/>
-          <p:cNvSpPr>
-            <a:spLocks noGrp="1"/>
-          </p:cNvSpPr>
-          <p:nvPr>
-            <p:ph type="title" idx="0"/>
-          </p:nvPr>
-        </p:nvSpPr>
-        <p:spPr/>
-        <p:txBody>
-          <a:bodyPr/>
-          <a:lstStyle/>
-          <a:p>
-            <a:r>
-              <a:rPr lang="ko-KR" altLang="en-US" smtClean="0"/>
-              <a:t>마스터 제목 스타일 편집</a:t>
-            </a:r>
-            <a:endParaRPr lang="ko-KR" altLang="en-US"/>
-          </a:p>
-        </p:txBody>
-      </p:sp>
-      <p:sp>
-        <p:nvSpPr>
-          <p:cNvPr id="3" name="표 개체 틀 2"/>
-          <p:cNvSpPr>
-            <a:spLocks noGrp="1"/>
-          </p:cNvSpPr>
-          <p:nvPr>
-            <p:ph type="tbl" sz="quarter" idx="1"/>
-          </p:nvPr>
-        </p:nvSpPr>
-        <p:spPr>
-          <a:xfrm>
-            <a:off x="456028" y="1643063"/>
-            <a:ext cx="8229600" cy="4525200"/>
-          </a:xfrm>
-        </p:spPr>
-        <p:txBody>
-          <a:bodyPr/>
-          <a:lstStyle>
-            <a:lvl1pPr marL="0" indent="0">
-              <a:buFontTx/>
-              <a:buNone/>
-              <a:defRPr/>
-            </a:lvl1pPr>
-          </a:lstStyle>
-          <a:p>
-            <a:r>
-              <a:rPr lang="ko-KR" altLang="en-US" smtClean="0"/>
-              <a:t>표를 추가하려면 아이콘을 클릭하십시오</a:t>
-            </a:r>
-            <a:endParaRPr lang="ko-KR" altLang="en-US"/>
-          </a:p>
-        </p:txBody>
-      </p:sp>
-      <p:sp>
-        <p:nvSpPr>
-          <p:cNvPr id="5" name="날짜 개체 틀 3"/>
-          <p:cNvSpPr>
-            <a:spLocks noGrp="1"/>
-          </p:cNvSpPr>
-          <p:nvPr>
-            <p:ph type="dt" sz="half" idx="10"/>
-          </p:nvPr>
-        </p:nvSpPr>
-        <p:spPr/>
-        <p:txBody>
-          <a:bodyPr/>
-          <a:lstStyle/>
-          <a:p>
-            <a:fld id="{D8D7A7C4-C82A-4D21-9AB0-F0C5A1D3EF09}" type="datetimeFigureOut">
-              <a:rPr lang="ko-KR" altLang="en-US" smtClean="0"/>
-              <a:pPr/>
-              <a:t>2009-12-07</a:t>
-            </a:fld>
-            <a:endParaRPr lang="ko-KR" altLang="en-US"/>
-          </a:p>
-        </p:txBody>
-      </p:sp>
-      <p:sp>
-        <p:nvSpPr>
-          <p:cNvPr id="6" name="바닥글 개체 틀 4"/>
-          <p:cNvSpPr>
-            <a:spLocks noGrp="1"/>
-          </p:cNvSpPr>
-          <p:nvPr>
-            <p:ph type="ftr" sz="quarter" idx="11"/>
-          </p:nvPr>
-        </p:nvSpPr>
-        <p:spPr/>
-        <p:txBody>
-          <a:bodyPr/>
-          <a:lstStyle/>
-          <a:p>
-            <a:endParaRPr lang="ko-KR" altLang="en-US"/>
-          </a:p>
-        </p:txBody>
-      </p:sp>
-      <p:sp>
-        <p:nvSpPr>
-          <p:cNvPr id="7" name="슬라이드 번호 개체 틀 5"/>
-          <p:cNvSpPr>
-            <a:spLocks noGrp="1"/>
-          </p:cNvSpPr>
-          <p:nvPr>
-            <p:ph type="sldNum" sz="quarter" idx="12"/>
-          </p:nvPr>
-        </p:nvSpPr>
-        <p:spPr/>
-        <p:txBody>
-          <a:bodyPr/>
-          <a:lstStyle/>
-          <a:p>
-            <a:fld id="{AD22CD3B-FDDF-4998-970C-76E6E0BEC65F}" type="slidenum">
-              <a:rPr lang="ko-KR" altLang="en-US" smtClean="0"/>
-              <a:pPr/>
-              <a:t>‹#›</a:t>
-            </a:fld>
-            <a:endParaRPr lang="ko-KR" altLang="en-US"/>
-          </a:p>
-        </p:txBody>
-      </p:sp>
-    </p:spTree>
-  </p:cSld>
-  <p:clrMapOvr>
-    <a:masterClrMapping/>
-  </p:clrMapOvr>
-</p:sldLayout>
-</file>
-
-<file path=ppt/slideLayouts/slideLayout44.xml><?xml version="1.0" encoding="utf-8"?>
-<p:sldLayout xmlns:r="http://schemas.openxmlformats.org/officeDocument/2006/relationships" xmlns:c="http://schemas.openxmlformats.org/drawingml/2006/chart" xmlns:a="http://schemas.openxmlformats.org/drawingml/2006/main" xmlns:dgm="http://schemas.openxmlformats.org/drawingml/2006/diagram" xmlns:dsp="http://schemas.microsoft.com/office/drawing/2008/diagram" xmlns:p="http://schemas.openxmlformats.org/presentationml/2006/main" showMasterPhAnim="1" type="fourObj" preserve="1">
-  <p:cSld name="제목 및 내용 4개">
-    <p:spTree>
-      <p:nvGrpSpPr>
-        <p:cNvPr id="1" name=""/>
-        <p:cNvGrpSpPr/>
-        <p:nvPr/>
-      </p:nvGrpSpPr>
-      <p:grpSpPr>
-        <a:xfrm>
-          <a:off x="0" y="0"/>
-          <a:ext cx="0" cy="0"/>
-          <a:chOff x="0" y="0"/>
-          <a:chExt cx="0" cy="0"/>
-        </a:xfrm>
-      </p:grpSpPr>
-      <p:sp>
-        <p:nvSpPr>
-          <p:cNvPr id="2" name="제목 1"/>
-          <p:cNvSpPr>
-            <a:spLocks noGrp="1"/>
-          </p:cNvSpPr>
-          <p:nvPr>
-            <p:ph type="title" idx="0"/>
-          </p:nvPr>
-        </p:nvSpPr>
-        <p:spPr/>
-        <p:txBody>
-          <a:bodyPr/>
-          <a:lstStyle/>
-          <a:p>
-            <a:r>
-              <a:rPr lang="ko-KR" altLang="en-US" smtClean="0"/>
-              <a:t>마스터 제목 스타일 편집</a:t>
-            </a:r>
-            <a:endParaRPr lang="ko-KR" altLang="en-US"/>
-          </a:p>
-        </p:txBody>
-      </p:sp>
-      <p:sp>
-        <p:nvSpPr>
-          <p:cNvPr id="3" name="내용 개체 틀 2"/>
-          <p:cNvSpPr>
-            <a:spLocks noGrp="1"/>
-          </p:cNvSpPr>
-          <p:nvPr>
-            <p:ph sz="half" idx="1"/>
-          </p:nvPr>
-        </p:nvSpPr>
-        <p:spPr>
-          <a:xfrm>
-            <a:off x="457200" y="1600200"/>
-            <a:ext cx="4038600" cy="2196000"/>
-          </a:xfrm>
-        </p:spPr>
-        <p:txBody>
-          <a:bodyPr/>
-          <a:lstStyle>
-            <a:lvl1pPr>
-              <a:defRPr sz="2800"/>
-            </a:lvl1pPr>
-            <a:lvl2pPr>
-              <a:defRPr sz="2400"/>
-            </a:lvl2pPr>
-            <a:lvl3pPr>
-              <a:defRPr sz="2000"/>
-            </a:lvl3pPr>
-            <a:lvl4pPr>
-              <a:defRPr sz="1800"/>
-            </a:lvl4pPr>
-            <a:lvl5pPr>
-              <a:defRPr sz="1800"/>
-            </a:lvl5pPr>
-            <a:lvl6pPr>
-              <a:defRPr sz="1800"/>
-            </a:lvl6pPr>
-            <a:lvl7pPr>
-              <a:defRPr sz="1800"/>
-            </a:lvl7pPr>
-            <a:lvl8pPr>
-              <a:defRPr sz="1800"/>
-            </a:lvl8pPr>
-            <a:lvl9pPr>
-              <a:defRPr sz="1800"/>
-            </a:lvl9pPr>
-          </a:lstStyle>
-          <a:p>
-            <a:pPr lvl="0"/>
-            <a:r>
-              <a:rPr lang="ko-KR" altLang="en-US" smtClean="0"/>
-              <a:t>마스터 텍스트 스타일을 편집합니다</a:t>
-            </a:r>
-          </a:p>
-          <a:p>
-            <a:pPr lvl="1"/>
-            <a:r>
-              <a:rPr lang="ko-KR" altLang="en-US" smtClean="0"/>
-              <a:t>둘째 수준</a:t>
-            </a:r>
-          </a:p>
-          <a:p>
-            <a:pPr lvl="2"/>
-            <a:r>
-              <a:rPr lang="ko-KR" altLang="en-US" smtClean="0"/>
-              <a:t>셋째 수준</a:t>
-            </a:r>
-          </a:p>
-          <a:p>
-            <a:pPr lvl="3"/>
-            <a:r>
-              <a:rPr lang="ko-KR" altLang="en-US" smtClean="0"/>
-              <a:t>넷째 수준</a:t>
-            </a:r>
-          </a:p>
-          <a:p>
-            <a:pPr lvl="4"/>
-            <a:r>
-              <a:rPr lang="ko-KR" altLang="en-US" smtClean="0"/>
-              <a:t>다섯째 수준</a:t>
-            </a:r>
-            <a:endParaRPr lang="ko-KR" altLang="en-US"/>
-          </a:p>
-        </p:txBody>
-      </p:sp>
-      <p:sp>
-        <p:nvSpPr>
-          <p:cNvPr id="4" name="내용 개체 틀 3"/>
-          <p:cNvSpPr>
-            <a:spLocks noGrp="1"/>
-          </p:cNvSpPr>
-          <p:nvPr>
-            <p:ph sz="half" idx="2"/>
-          </p:nvPr>
-        </p:nvSpPr>
-        <p:spPr>
-          <a:xfrm>
-            <a:off x="4648200" y="1600200"/>
-            <a:ext cx="4038600" cy="2196000"/>
-          </a:xfrm>
-        </p:spPr>
-        <p:txBody>
-          <a:bodyPr/>
-          <a:lstStyle>
-            <a:lvl1pPr>
-              <a:defRPr sz="2800"/>
-            </a:lvl1pPr>
-            <a:lvl2pPr>
-              <a:defRPr sz="2400"/>
-            </a:lvl2pPr>
-            <a:lvl3pPr>
-              <a:defRPr sz="2000"/>
-            </a:lvl3pPr>
-            <a:lvl4pPr>
-              <a:defRPr sz="1800"/>
-            </a:lvl4pPr>
-            <a:lvl5pPr>
-              <a:defRPr sz="1800"/>
-            </a:lvl5pPr>
-            <a:lvl6pPr>
-              <a:defRPr sz="1800"/>
-            </a:lvl6pPr>
-            <a:lvl7pPr>
-              <a:defRPr sz="1800"/>
-            </a:lvl7pPr>
-            <a:lvl8pPr>
-              <a:defRPr sz="1800"/>
-            </a:lvl8pPr>
-            <a:lvl9pPr>
-              <a:defRPr sz="1800"/>
-            </a:lvl9pPr>
-          </a:lstStyle>
-          <a:p>
-            <a:pPr lvl="0"/>
-            <a:r>
-              <a:rPr lang="ko-KR" altLang="en-US" smtClean="0"/>
-              <a:t>마스터 텍스트 스타일을 편집합니다</a:t>
-            </a:r>
-          </a:p>
-          <a:p>
-            <a:pPr lvl="1"/>
-            <a:r>
-              <a:rPr lang="ko-KR" altLang="en-US" smtClean="0"/>
-              <a:t>둘째 수준</a:t>
-            </a:r>
-          </a:p>
-          <a:p>
-            <a:pPr lvl="2"/>
-            <a:r>
-              <a:rPr lang="ko-KR" altLang="en-US" smtClean="0"/>
-              <a:t>셋째 수준</a:t>
-            </a:r>
-          </a:p>
-          <a:p>
-            <a:pPr lvl="3"/>
-            <a:r>
-              <a:rPr lang="ko-KR" altLang="en-US" smtClean="0"/>
-              <a:t>넷째 수준</a:t>
-            </a:r>
-          </a:p>
-          <a:p>
-            <a:pPr lvl="4"/>
-            <a:r>
-              <a:rPr lang="ko-KR" altLang="en-US" smtClean="0"/>
-              <a:t>다섯째 수준</a:t>
-            </a:r>
-            <a:endParaRPr lang="ko-KR" altLang="en-US"/>
-          </a:p>
-        </p:txBody>
-      </p:sp>
-      <p:sp>
-        <p:nvSpPr>
-          <p:cNvPr id="5" name="내용 개체 틀 4"/>
-          <p:cNvSpPr>
-            <a:spLocks noGrp="1"/>
-          </p:cNvSpPr>
-          <p:nvPr>
-            <p:ph sz="half" idx="3"/>
-          </p:nvPr>
-        </p:nvSpPr>
-        <p:spPr>
-          <a:xfrm>
-            <a:off x="456028" y="3984220"/>
-            <a:ext cx="4038600" cy="2196000"/>
-          </a:xfrm>
-        </p:spPr>
-        <p:txBody>
-          <a:bodyPr/>
-          <a:lstStyle>
-            <a:lvl1pPr>
-              <a:defRPr sz="2800"/>
-            </a:lvl1pPr>
-            <a:lvl2pPr>
-              <a:defRPr sz="2400"/>
-            </a:lvl2pPr>
-            <a:lvl3pPr>
-              <a:defRPr sz="2000"/>
-            </a:lvl3pPr>
-            <a:lvl4pPr>
-              <a:defRPr sz="1800"/>
-            </a:lvl4pPr>
-            <a:lvl5pPr>
-              <a:defRPr sz="1800"/>
-            </a:lvl5pPr>
-            <a:lvl6pPr>
-              <a:defRPr sz="1800"/>
-            </a:lvl6pPr>
-            <a:lvl7pPr>
-              <a:defRPr sz="1800"/>
-            </a:lvl7pPr>
-            <a:lvl8pPr>
-              <a:defRPr sz="1800"/>
-            </a:lvl8pPr>
-            <a:lvl9pPr>
-              <a:defRPr sz="1800"/>
-            </a:lvl9pPr>
-          </a:lstStyle>
-          <a:p>
-            <a:pPr lvl="0"/>
-            <a:r>
-              <a:rPr lang="ko-KR" altLang="en-US" smtClean="0"/>
-              <a:t>마스터 텍스트 스타일을 편집합니다</a:t>
-            </a:r>
-          </a:p>
-          <a:p>
-            <a:pPr lvl="1"/>
-            <a:r>
-              <a:rPr lang="ko-KR" altLang="en-US" smtClean="0"/>
-              <a:t>둘째 수준</a:t>
-            </a:r>
-          </a:p>
-          <a:p>
-            <a:pPr lvl="2"/>
-            <a:r>
-              <a:rPr lang="ko-KR" altLang="en-US" smtClean="0"/>
-              <a:t>셋째 수준</a:t>
-            </a:r>
-          </a:p>
-          <a:p>
-            <a:pPr lvl="3"/>
-            <a:r>
-              <a:rPr lang="ko-KR" altLang="en-US" smtClean="0"/>
-              <a:t>넷째 수준</a:t>
-            </a:r>
-          </a:p>
-          <a:p>
-            <a:pPr lvl="4"/>
-            <a:r>
-              <a:rPr lang="ko-KR" altLang="en-US" smtClean="0"/>
-              <a:t>다섯째 수준</a:t>
-            </a:r>
-            <a:endParaRPr lang="ko-KR" altLang="en-US"/>
-          </a:p>
-        </p:txBody>
-      </p:sp>
-      <p:sp>
-        <p:nvSpPr>
-          <p:cNvPr id="6" name="내용 개체 틀 5"/>
-          <p:cNvSpPr>
-            <a:spLocks noGrp="1"/>
-          </p:cNvSpPr>
-          <p:nvPr>
-            <p:ph sz="half" idx="4"/>
-          </p:nvPr>
-        </p:nvSpPr>
-        <p:spPr>
-          <a:xfrm>
-            <a:off x="4647028" y="3984220"/>
-            <a:ext cx="4038600" cy="2196000"/>
-          </a:xfrm>
-        </p:spPr>
-        <p:txBody>
-          <a:bodyPr/>
-          <a:lstStyle>
-            <a:lvl1pPr>
-              <a:defRPr sz="2800"/>
-            </a:lvl1pPr>
-            <a:lvl2pPr>
-              <a:defRPr sz="2400"/>
-            </a:lvl2pPr>
-            <a:lvl3pPr>
-              <a:defRPr sz="2000"/>
-            </a:lvl3pPr>
-            <a:lvl4pPr>
-              <a:defRPr sz="1800"/>
-            </a:lvl4pPr>
-            <a:lvl5pPr>
-              <a:defRPr sz="1800"/>
-            </a:lvl5pPr>
-            <a:lvl6pPr>
-              <a:defRPr sz="1800"/>
-            </a:lvl6pPr>
-            <a:lvl7pPr>
-              <a:defRPr sz="1800"/>
-            </a:lvl7pPr>
-            <a:lvl8pPr>
-              <a:defRPr sz="1800"/>
-            </a:lvl8pPr>
-            <a:lvl9pPr>
-              <a:defRPr sz="1800"/>
-            </a:lvl9pPr>
-          </a:lstStyle>
-          <a:p>
-            <a:pPr lvl="0"/>
-            <a:r>
-              <a:rPr lang="ko-KR" altLang="en-US" smtClean="0"/>
-              <a:t>마스터 텍스트 스타일을 편집합니다</a:t>
-            </a:r>
-          </a:p>
-          <a:p>
-            <a:pPr lvl="1"/>
-            <a:r>
-              <a:rPr lang="ko-KR" altLang="en-US" smtClean="0"/>
-              <a:t>둘째 수준</a:t>
-            </a:r>
-          </a:p>
-          <a:p>
-            <a:pPr lvl="2"/>
-            <a:r>
-              <a:rPr lang="ko-KR" altLang="en-US" smtClean="0"/>
-              <a:t>셋째 수준</a:t>
-            </a:r>
-          </a:p>
-          <a:p>
-            <a:pPr lvl="3"/>
-            <a:r>
-              <a:rPr lang="ko-KR" altLang="en-US" smtClean="0"/>
-              <a:t>넷째 수준</a:t>
-            </a:r>
-          </a:p>
-          <a:p>
-            <a:pPr lvl="4"/>
-            <a:r>
-              <a:rPr lang="ko-KR" altLang="en-US" smtClean="0"/>
-              <a:t>다섯째 수준</a:t>
-            </a:r>
-            <a:endParaRPr lang="ko-KR" altLang="en-US"/>
-          </a:p>
-        </p:txBody>
-      </p:sp>
-      <p:sp>
-        <p:nvSpPr>
-          <p:cNvPr id="10" name="날짜 개체 틀 3"/>
-          <p:cNvSpPr>
-            <a:spLocks noGrp="1"/>
-          </p:cNvSpPr>
-          <p:nvPr>
-            <p:ph type="dt" sz="half" idx="10"/>
-          </p:nvPr>
-        </p:nvSpPr>
-        <p:spPr/>
-        <p:txBody>
-          <a:bodyPr/>
-          <a:lstStyle/>
-          <a:p>
-            <a:fld id="{D8D7A7C4-C82A-4D21-9AB0-F0C5A1D3EF09}" type="datetimeFigureOut">
-              <a:rPr lang="ko-KR" altLang="en-US" smtClean="0"/>
-              <a:pPr/>
-              <a:t>2009-12-07</a:t>
-            </a:fld>
-            <a:endParaRPr lang="ko-KR" altLang="en-US"/>
-          </a:p>
-        </p:txBody>
-      </p:sp>
-      <p:sp>
-        <p:nvSpPr>
-          <p:cNvPr id="11" name="바닥글 개체 틀 4"/>
-          <p:cNvSpPr>
-            <a:spLocks noGrp="1"/>
-          </p:cNvSpPr>
-          <p:nvPr>
-            <p:ph type="ftr" sz="quarter" idx="11"/>
-          </p:nvPr>
-        </p:nvSpPr>
-        <p:spPr/>
-        <p:txBody>
-          <a:bodyPr/>
-          <a:lstStyle/>
-          <a:p>
-            <a:endParaRPr lang="ko-KR" altLang="en-US"/>
-          </a:p>
-        </p:txBody>
-      </p:sp>
-      <p:sp>
-        <p:nvSpPr>
-          <p:cNvPr id="12" name="슬라이드 번호 개체 틀 5"/>
-          <p:cNvSpPr>
-            <a:spLocks noGrp="1"/>
-          </p:cNvSpPr>
-          <p:nvPr>
-            <p:ph type="sldNum" sz="quarter" idx="12"/>
-          </p:nvPr>
-        </p:nvSpPr>
-        <p:spPr/>
-        <p:txBody>
-          <a:bodyPr/>
-          <a:lstStyle/>
-          <a:p>
-            <a:fld id="{AD22CD3B-FDDF-4998-970C-76E6E0BEC65F}" type="slidenum">
-              <a:rPr lang="ko-KR" altLang="en-US" smtClean="0"/>
-              <a:pPr/>
-              <a:t>‹#›</a:t>
-            </a:fld>
-            <a:endParaRPr lang="ko-KR" altLang="en-US"/>
-          </a:p>
-        </p:txBody>
-      </p:sp>
-    </p:spTree>
-  </p:cSld>
-  <p:clrMapOvr>
-    <a:masterClrMapping/>
-  </p:clrMapOvr>
-</p:sldLayout>
-</file>
-
-<file path=ppt/slideLayouts/slideLayout45.xml><?xml version="1.0" encoding="utf-8"?>
-<p:sldLayout xmlns:r="http://schemas.openxmlformats.org/officeDocument/2006/relationships" xmlns:c="http://schemas.openxmlformats.org/drawingml/2006/chart" xmlns:a="http://schemas.openxmlformats.org/drawingml/2006/main" xmlns:dgm="http://schemas.openxmlformats.org/drawingml/2006/diagram" xmlns:dsp="http://schemas.microsoft.com/office/drawing/2008/diagram" xmlns:p="http://schemas.openxmlformats.org/presentationml/2006/main" showMasterPhAnim="1" type="picTx" preserve="1">
-  <p:cSld name="그림 및 설명">
-    <p:spTree>
-      <p:nvGrpSpPr>
-        <p:cNvPr id="1" name=""/>
-        <p:cNvGrpSpPr/>
-        <p:nvPr/>
-      </p:nvGrpSpPr>
-      <p:grpSpPr>
-        <a:xfrm>
-          <a:off x="0" y="0"/>
-          <a:ext cx="0" cy="0"/>
-          <a:chOff x="0" y="0"/>
-          <a:chExt cx="0" cy="0"/>
-        </a:xfrm>
-      </p:grpSpPr>
-      <p:sp>
-        <p:nvSpPr>
-          <p:cNvPr id="2" name="제목 1"/>
-          <p:cNvSpPr>
-            <a:spLocks noGrp="1"/>
-          </p:cNvSpPr>
-          <p:nvPr>
-            <p:ph type="title" idx="0"/>
-          </p:nvPr>
-        </p:nvSpPr>
-        <p:spPr>
-          <a:xfrm>
-            <a:off x="1792288" y="4800600"/>
-            <a:ext cx="5486400" cy="566738"/>
-          </a:xfrm>
-        </p:spPr>
-        <p:txBody>
-          <a:bodyPr anchor="b"/>
-          <a:lstStyle>
-            <a:lvl1pPr algn="l">
-              <a:defRPr sz="2000" b="1"/>
-            </a:lvl1pPr>
-          </a:lstStyle>
-          <a:p>
-            <a:r>
-              <a:rPr lang="ko-KR" altLang="en-US" smtClean="0"/>
-              <a:t>마스터 제목 스타일 편집</a:t>
-            </a:r>
-            <a:endParaRPr lang="ko-KR" altLang="en-US"/>
-          </a:p>
-        </p:txBody>
-      </p:sp>
-      <p:sp>
-        <p:nvSpPr>
-          <p:cNvPr id="3" name="그림 개체 틀 2"/>
-          <p:cNvSpPr>
-            <a:spLocks noGrp="1"/>
-          </p:cNvSpPr>
-          <p:nvPr>
-            <p:ph type="pic" idx="1"/>
-          </p:nvPr>
-        </p:nvSpPr>
-        <p:spPr>
-          <a:xfrm>
-            <a:off x="1792288" y="612775"/>
-            <a:ext cx="5486400" cy="4114800"/>
-          </a:xfrm>
-        </p:spPr>
-        <p:txBody>
-          <a:bodyPr>
-            <a:normAutofit lnSpcReduction="0"/>
-          </a:bodyPr>
-          <a:lstStyle/>
-          <a:p>
-            <a:pPr lvl="0"/>
-            <a:r>
-              <a:rPr lang="ko-KR" altLang="en-US" smtClean="0"/>
-              <a:t>그림을 추가하려면 아이콘을 클릭하십시오</a:t>
-            </a:r>
-            <a:endParaRPr lang="ko-KR" altLang="en-US"/>
-          </a:p>
-        </p:txBody>
-      </p:sp>
-      <p:sp>
-        <p:nvSpPr>
-          <p:cNvPr id="4" name="텍스트 개체 틀 3"/>
-          <p:cNvSpPr>
-            <a:spLocks noGrp="1"/>
-          </p:cNvSpPr>
-          <p:nvPr>
-            <p:ph type="body" sz="half" idx="2"/>
-          </p:nvPr>
-        </p:nvSpPr>
-        <p:spPr>
-          <a:xfrm>
-            <a:off x="1792288" y="5367338"/>
-            <a:ext cx="5486400" cy="804862"/>
-          </a:xfrm>
-        </p:spPr>
-        <p:txBody>
-          <a:bodyPr/>
-          <a:lstStyle>
-            <a:lvl1pPr>
-              <a:defRPr sz="1411"/>
-            </a:lvl1pPr>
-            <a:lvl2pPr>
-              <a:defRPr sz="1200"/>
-            </a:lvl2pPr>
-            <a:lvl3pPr>
-              <a:defRPr sz="1000"/>
-            </a:lvl3pPr>
-            <a:lvl4pPr>
-              <a:defRPr sz="900"/>
-            </a:lvl4pPr>
-            <a:lvl5pPr>
-              <a:defRPr sz="900"/>
-            </a:lvl5pPr>
-            <a:lvl6pPr>
-              <a:defRPr sz="900"/>
-            </a:lvl6pPr>
-            <a:lvl7pPr>
-              <a:defRPr sz="900"/>
-            </a:lvl7pPr>
-            <a:lvl8pPr>
-              <a:defRPr sz="900"/>
-            </a:lvl8pPr>
-            <a:lvl9pPr>
-              <a:defRPr sz="900"/>
-            </a:lvl9pPr>
-          </a:lstStyle>
-          <a:p>
-            <a:pPr lvl="0"/>
-            <a:r>
-              <a:rPr lang="ko-KR" altLang="en-US" smtClean="0"/>
-              <a:t>마스터 텍스트 스타일을 편집합니다</a:t>
-            </a:r>
-          </a:p>
-        </p:txBody>
-      </p:sp>
-      <p:sp>
-        <p:nvSpPr>
-          <p:cNvPr id="10" name="날짜 개체 틀 4"/>
-          <p:cNvSpPr>
-            <a:spLocks noGrp="1"/>
-          </p:cNvSpPr>
-          <p:nvPr>
-            <p:ph type="dt" sz="half" idx="10"/>
-          </p:nvPr>
-        </p:nvSpPr>
-        <p:spPr>
-          <a:xfrm>
-            <a:off x="457200" y="6356350"/>
-            <a:ext cx="2133600" cy="365125"/>
-          </a:xfrm>
-        </p:spPr>
-        <p:txBody>
-          <a:bodyPr/>
-          <a:lstStyle/>
-          <a:p>
-            <a:fld id="{D8D7A7C4-C82A-4D21-9AB0-F0C5A1D3EF09}" type="datetimeFigureOut">
-              <a:rPr lang="ko-KR" altLang="en-US" smtClean="0"/>
-              <a:pPr/>
-              <a:t>2009-12-07</a:t>
-            </a:fld>
-            <a:endParaRPr lang="ko-KR" altLang="en-US"/>
-          </a:p>
-        </p:txBody>
-      </p:sp>
-      <p:sp>
-        <p:nvSpPr>
-          <p:cNvPr id="11" name="바닥글 개체 틀 5"/>
-          <p:cNvSpPr>
-            <a:spLocks noGrp="1"/>
-          </p:cNvSpPr>
-          <p:nvPr>
-            <p:ph type="ftr" sz="quarter" idx="11"/>
-          </p:nvPr>
-        </p:nvSpPr>
-        <p:spPr>
-          <a:xfrm>
-            <a:off x="3124200" y="6356350"/>
-            <a:ext cx="2895600" cy="365125"/>
-          </a:xfrm>
-        </p:spPr>
-        <p:txBody>
-          <a:bodyPr/>
-          <a:lstStyle/>
-          <a:p>
-            <a:endParaRPr lang="ko-KR" altLang="en-US"/>
-          </a:p>
-        </p:txBody>
-      </p:sp>
-      <p:sp>
-        <p:nvSpPr>
-          <p:cNvPr id="12" name="슬라이드 번호 개체 틀 6"/>
-          <p:cNvSpPr>
-            <a:spLocks noGrp="1"/>
-          </p:cNvSpPr>
-          <p:nvPr>
-            <p:ph type="sldNum" sz="quarter" idx="12"/>
-          </p:nvPr>
-        </p:nvSpPr>
-        <p:spPr>
-          <a:xfrm>
-            <a:off x="6553200" y="6356350"/>
-            <a:ext cx="2133600" cy="365125"/>
-          </a:xfrm>
-        </p:spPr>
-        <p:txBody>
-          <a:bodyPr/>
-          <a:lstStyle/>
-          <a:p>
-            <a:fld id="{AD22CD3B-FDDF-4998-970C-76E6E0BEC65F}" type="slidenum">
-              <a:rPr lang="ko-KR" altLang="en-US" smtClean="0"/>
-              <a:pPr/>
-              <a:t>‹#›</a:t>
-            </a:fld>
-            <a:endParaRPr lang="ko-KR" altLang="en-US"/>
-          </a:p>
-        </p:txBody>
-      </p:sp>
-    </p:spTree>
-  </p:cSld>
-  <p:clrMapOvr>
-    <a:masterClrMapping/>
-  </p:clrMapOvr>
-</p:sldLayout>
-</file>
-
-<file path=ppt/slideLayouts/slideLayout46.xml><?xml version="1.0" encoding="utf-8"?>
-<p:sldLayout xmlns:r="http://schemas.openxmlformats.org/officeDocument/2006/relationships" xmlns:c="http://schemas.openxmlformats.org/drawingml/2006/chart" xmlns:a="http://schemas.openxmlformats.org/drawingml/2006/main" xmlns:dgm="http://schemas.openxmlformats.org/drawingml/2006/diagram" xmlns:dsp="http://schemas.microsoft.com/office/drawing/2008/diagram" xmlns:p="http://schemas.openxmlformats.org/presentationml/2006/main" showMasterPhAnim="1" type="objOnly" preserve="1">
-  <p:cSld name="간지">
-    <p:spTree>
-      <p:nvGrpSpPr>
-        <p:cNvPr id="1" name=""/>
-        <p:cNvGrpSpPr/>
-        <p:nvPr/>
-      </p:nvGrpSpPr>
-      <p:grpSpPr>
-        <a:xfrm>
-          <a:off x="0" y="0"/>
-          <a:ext cx="0" cy="0"/>
-          <a:chOff x="0" y="0"/>
-          <a:chExt cx="0" cy="0"/>
-        </a:xfrm>
-      </p:grpSpPr>
-      <p:sp>
-        <p:nvSpPr>
-          <p:cNvPr id="2" name="제목 1"/>
-          <p:cNvSpPr>
-            <a:spLocks noGrp="1"/>
-          </p:cNvSpPr>
-          <p:nvPr>
-            <p:ph type="ctrTitle" idx="0"/>
-          </p:nvPr>
-        </p:nvSpPr>
-        <p:spPr>
-          <a:xfrm>
-            <a:off x="-9236" y="2130425"/>
-            <a:ext cx="9144000" cy="1470025"/>
-          </a:xfrm>
-        </p:spPr>
-        <p:txBody>
-          <a:bodyPr/>
-          <a:lstStyle/>
-          <a:p>
-            <a:r>
-              <a:rPr lang="ko-KR" altLang="en-US" smtClean="0"/>
-              <a:t>마스터 제목 스타일 편집</a:t>
-            </a:r>
-            <a:endParaRPr lang="ko-KR" altLang="en-US"/>
-          </a:p>
-        </p:txBody>
-      </p:sp>
-      <p:sp>
-        <p:nvSpPr>
-          <p:cNvPr id="3" name="날짜 개체 틀 2"/>
-          <p:cNvSpPr>
-            <a:spLocks noGrp="1"/>
-          </p:cNvSpPr>
-          <p:nvPr>
-            <p:ph type="dt" sz="half" idx="10"/>
-          </p:nvPr>
-        </p:nvSpPr>
-        <p:spPr>
-          <a:xfrm>
-            <a:off x="457200" y="6356350"/>
-            <a:ext cx="2133600" cy="365125"/>
-          </a:xfrm>
-        </p:spPr>
-        <p:txBody>
-          <a:bodyPr/>
-          <a:lstStyle/>
-          <a:p>
-            <a:fld id="{D8D7A7C4-C82A-4D21-9AB0-F0C5A1D3EF09}" type="datetimeFigureOut">
-              <a:rPr lang="ko-KR" altLang="en-US" smtClean="0"/>
-              <a:pPr/>
-              <a:t>2009-12-07</a:t>
-            </a:fld>
-            <a:endParaRPr lang="ko-KR" altLang="en-US"/>
-          </a:p>
-        </p:txBody>
-      </p:sp>
-      <p:sp>
-        <p:nvSpPr>
-          <p:cNvPr id="4" name="바닥글 개체 틀 3"/>
-          <p:cNvSpPr>
-            <a:spLocks noGrp="1"/>
-          </p:cNvSpPr>
-          <p:nvPr>
-            <p:ph type="ftr" sz="quarter" idx="11"/>
-          </p:nvPr>
-        </p:nvSpPr>
-        <p:spPr>
-          <a:xfrm>
-            <a:off x="3124200" y="6356350"/>
-            <a:ext cx="2895600" cy="365125"/>
-          </a:xfrm>
-        </p:spPr>
-        <p:txBody>
-          <a:bodyPr/>
-          <a:lstStyle/>
-          <a:p>
-            <a:endParaRPr lang="ko-KR" altLang="en-US"/>
-          </a:p>
-        </p:txBody>
-      </p:sp>
-      <p:sp>
-        <p:nvSpPr>
-          <p:cNvPr id="5" name="슬라이드 번호 개체 틀 4"/>
-          <p:cNvSpPr>
-            <a:spLocks noGrp="1"/>
-          </p:cNvSpPr>
-          <p:nvPr>
-            <p:ph type="sldNum" sz="quarter" idx="12"/>
-          </p:nvPr>
-        </p:nvSpPr>
-        <p:spPr>
-          <a:xfrm>
-            <a:off x="6553200" y="6356350"/>
-            <a:ext cx="2133600" cy="365125"/>
-          </a:xfrm>
-        </p:spPr>
-        <p:txBody>
-          <a:bodyPr/>
-          <a:lstStyle/>
-          <a:p>
-            <a:fld id="{AD22CD3B-FDDF-4998-970C-76E6E0BEC65F}" type="slidenum">
-              <a:rPr lang="ko-KR" altLang="en-US" smtClean="0"/>
-              <a:pPr/>
-              <a:t>‹#›</a:t>
-            </a:fld>
-            <a:endParaRPr lang="ko-KR" altLang="en-US"/>
-          </a:p>
-        </p:txBody>
-      </p:sp>
-    </p:spTree>
-  </p:cSld>
-  <p:clrMapOvr>
-    <a:masterClrMapping/>
-  </p:clrMapOvr>
-</p:sldLayout>
-</file>
-
-<file path=ppt/slideLayouts/slideLayout47.xml><?xml version="1.0" encoding="utf-8"?>
-<p:sldLayout xmlns:r="http://schemas.openxmlformats.org/officeDocument/2006/relationships" xmlns:c="http://schemas.openxmlformats.org/drawingml/2006/chart" xmlns:a="http://schemas.openxmlformats.org/drawingml/2006/main" xmlns:dgm="http://schemas.openxmlformats.org/drawingml/2006/diagram" xmlns:dsp="http://schemas.microsoft.com/office/drawing/2008/diagram" xmlns:p="http://schemas.openxmlformats.org/presentationml/2006/main" showMasterPhAnim="1" type="clipArtAndTx" preserve="1">
-  <p:cSld name="목차">
-    <p:spTree>
-      <p:nvGrpSpPr>
-        <p:cNvPr id="1" name=""/>
-        <p:cNvGrpSpPr/>
-        <p:nvPr/>
-      </p:nvGrpSpPr>
-      <p:grpSpPr>
-        <a:xfrm>
-          <a:off x="0" y="0"/>
-          <a:ext cx="0" cy="0"/>
-          <a:chOff x="0" y="0"/>
-          <a:chExt cx="0" cy="0"/>
-        </a:xfrm>
-      </p:grpSpPr>
-      <p:sp>
-        <p:nvSpPr>
-          <p:cNvPr id="2" name="제목 1"/>
-          <p:cNvSpPr>
-            <a:spLocks noGrp="1"/>
-          </p:cNvSpPr>
-          <p:nvPr>
-            <p:ph type="title" idx="0"/>
-          </p:nvPr>
-        </p:nvSpPr>
-        <p:spPr>
-          <a:xfrm>
-            <a:off x="457200" y="274638"/>
-            <a:ext cx="8229600" cy="1143000"/>
-          </a:xfrm>
-        </p:spPr>
-        <p:txBody>
-          <a:bodyPr/>
-          <a:lstStyle>
-            <a:lvl1pPr>
-              <a:defRPr/>
-            </a:lvl1pPr>
-          </a:lstStyle>
-          <a:p>
-            <a:r>
-              <a:rPr lang="ko-KR" altLang="en-US" smtClean="0"/>
-              <a:t>마스터 제목 스타일 편집</a:t>
-            </a:r>
-            <a:endParaRPr lang="ko-KR" altLang="en-US"/>
-          </a:p>
-        </p:txBody>
-      </p:sp>
-      <p:sp>
-        <p:nvSpPr>
-          <p:cNvPr id="3" name="텍스트 개체 틀 2"/>
-          <p:cNvSpPr>
-            <a:spLocks noGrp="1"/>
-          </p:cNvSpPr>
-          <p:nvPr>
-            <p:ph type="body" sz="quarter" idx="1"/>
-          </p:nvPr>
-        </p:nvSpPr>
-        <p:spPr>
-          <a:xfrm>
-            <a:off x="2144492" y="2196090"/>
-            <a:ext cx="4856400" cy="3240000"/>
-          </a:xfrm>
-        </p:spPr>
-        <p:txBody>
-          <a:bodyPr>
-            <a:normAutofit lnSpcReduction="0"/>
-          </a:bodyPr>
-          <a:lstStyle>
-            <a:lvl1pPr>
-              <a:lnSpc>
-                <a:spcPct val="150000"/>
-              </a:lnSpc>
-              <a:defRPr sz="2400"/>
-            </a:lvl1pPr>
-            <a:lvl2pPr>
-              <a:defRPr sz="2000"/>
-            </a:lvl2pPr>
-            <a:lvl3pPr>
-              <a:defRPr sz="1800"/>
-            </a:lvl3pPr>
-            <a:lvl4pPr>
-              <a:defRPr sz="1600"/>
-            </a:lvl4pPr>
-            <a:lvl5pPr>
-              <a:defRPr sz="1600"/>
-            </a:lvl5pPr>
-          </a:lstStyle>
-          <a:p>
-            <a:pPr lvl="0"/>
-            <a:r>
-              <a:rPr lang="ko-KR" altLang="en-US" smtClean="0"/>
-              <a:t>첫째 목차</a:t>
-            </a:r>
-            <a:endParaRPr lang="ko-KR" altLang="en-US"/>
-          </a:p>
-          <a:p>
-            <a:pPr lvl="0"/>
-            <a:r>
-              <a:rPr lang="ko-KR" altLang="en-US" smtClean="0"/>
-              <a:t>둘째 목차</a:t>
-            </a:r>
-            <a:endParaRPr lang="ko-KR" altLang="en-US"/>
-          </a:p>
-          <a:p>
-            <a:pPr lvl="0"/>
-            <a:r>
-              <a:rPr lang="ko-KR" altLang="en-US" smtClean="0"/>
-              <a:t>셋째 목차</a:t>
-            </a:r>
-            <a:endParaRPr lang="ko-KR" altLang="en-US"/>
-          </a:p>
-          <a:p>
-            <a:pPr lvl="0"/>
-            <a:r>
-              <a:rPr lang="ko-KR" altLang="en-US" smtClean="0"/>
-              <a:t>넷째 목차</a:t>
-            </a:r>
-            <a:endParaRPr lang="ko-KR" altLang="en-US"/>
-          </a:p>
-          <a:p>
-            <a:pPr lvl="0"/>
-            <a:r>
-              <a:rPr lang="ko-KR" altLang="en-US" smtClean="0"/>
-              <a:t>다섯째 목차</a:t>
-            </a:r>
-            <a:endParaRPr lang="ko-KR" altLang="en-US"/>
-          </a:p>
-        </p:txBody>
-      </p:sp>
-      <p:sp>
-        <p:nvSpPr>
-          <p:cNvPr id="4" name="날짜 개체 틀 3"/>
-          <p:cNvSpPr>
-            <a:spLocks noGrp="1"/>
-          </p:cNvSpPr>
-          <p:nvPr>
-            <p:ph type="dt" sz="half" idx="10"/>
-          </p:nvPr>
-        </p:nvSpPr>
-        <p:spPr/>
-        <p:txBody>
-          <a:bodyPr/>
-          <a:lstStyle/>
-          <a:p>
-            <a:fld id="{D8D7A7C4-C82A-4D21-9AB0-F0C5A1D3EF09}" type="datetimeFigureOut">
-              <a:rPr lang="ko-KR" altLang="en-US" smtClean="0"/>
-              <a:pPr/>
-              <a:t>2009-12-07</a:t>
-            </a:fld>
-            <a:endParaRPr lang="ko-KR" altLang="en-US"/>
-          </a:p>
-        </p:txBody>
-      </p:sp>
-      <p:sp>
-        <p:nvSpPr>
-          <p:cNvPr id="5" name="바닥글 개체 틀 4"/>
-          <p:cNvSpPr>
-            <a:spLocks noGrp="1"/>
-          </p:cNvSpPr>
-          <p:nvPr>
-            <p:ph type="ftr" sz="quarter" idx="11"/>
-          </p:nvPr>
-        </p:nvSpPr>
-        <p:spPr/>
-        <p:txBody>
-          <a:bodyPr/>
-          <a:lstStyle/>
-          <a:p>
-            <a:endParaRPr lang="ko-KR" altLang="en-US"/>
-          </a:p>
-        </p:txBody>
-      </p:sp>
-      <p:sp>
-        <p:nvSpPr>
-          <p:cNvPr id="6" name="슬라이드 번호 개체 틀 5"/>
-          <p:cNvSpPr>
-            <a:spLocks noGrp="1"/>
-          </p:cNvSpPr>
-          <p:nvPr>
-            <p:ph type="sldNum" sz="quarter" idx="12"/>
-          </p:nvPr>
-        </p:nvSpPr>
-        <p:spPr/>
-        <p:txBody>
-          <a:bodyPr/>
-          <a:lstStyle/>
-          <a:p>
-            <a:fld id="{AD22CD3B-FDDF-4998-970C-76E6E0BEC65F}" type="slidenum">
-              <a:rPr lang="ko-KR" altLang="en-US" smtClean="0"/>
-              <a:pPr/>
-              <a:t>‹#›</a:t>
-            </a:fld>
-            <a:endParaRPr lang="ko-KR" altLang="en-US"/>
-          </a:p>
-        </p:txBody>
-      </p:sp>
-    </p:spTree>
-  </p:cSld>
-  <p:clrMapOvr>
-    <a:masterClrMapping/>
-  </p:clrMapOvr>
-</p:sldLayout>
-</file>
-
-<file path=ppt/slideLayouts/slideLayout48.xml><?xml version="1.0" encoding="utf-8"?>
-<p:sldLayout xmlns:r="http://schemas.openxmlformats.org/officeDocument/2006/relationships" xmlns:c="http://schemas.openxmlformats.org/drawingml/2006/chart" xmlns:a="http://schemas.openxmlformats.org/drawingml/2006/main" xmlns:dgm="http://schemas.openxmlformats.org/drawingml/2006/diagram" xmlns:dsp="http://schemas.microsoft.com/office/drawing/2008/diagram" xmlns:p="http://schemas.openxmlformats.org/presentationml/2006/main" showMasterPhAnim="1" type="vertTitleAndTx" preserve="1">
-  <p:cSld name="세로 제목 및 본문">
-    <p:spTree>
-      <p:nvGrpSpPr>
-        <p:cNvPr id="1" name=""/>
-        <p:cNvGrpSpPr/>
-        <p:nvPr/>
-      </p:nvGrpSpPr>
-      <p:grpSpPr>
-        <a:xfrm>
-          <a:off x="0" y="0"/>
-          <a:ext cx="0" cy="0"/>
-          <a:chOff x="0" y="0"/>
-          <a:chExt cx="0" cy="0"/>
-        </a:xfrm>
-      </p:grpSpPr>
-      <p:sp>
-        <p:nvSpPr>
-          <p:cNvPr id="2" name="세로 제목 1"/>
-          <p:cNvSpPr>
-            <a:spLocks noGrp="1"/>
-          </p:cNvSpPr>
-          <p:nvPr>
-            <p:ph type="title" orient="vert" idx="0"/>
-          </p:nvPr>
-        </p:nvSpPr>
-        <p:spPr>
-          <a:xfrm>
-            <a:off x="6629400" y="274638"/>
-            <a:ext cx="2057400" cy="5851525"/>
-          </a:xfrm>
-        </p:spPr>
-        <p:txBody>
-          <a:bodyPr vert="eaVert"/>
-          <a:lstStyle/>
-          <a:p>
-            <a:r>
-              <a:rPr lang="ko-KR" altLang="en-US" smtClean="0"/>
-              <a:t>마스터 제목 스타일 편집</a:t>
-            </a:r>
-            <a:endParaRPr lang="ko-KR" altLang="en-US"/>
-          </a:p>
-        </p:txBody>
-      </p:sp>
-      <p:sp>
-        <p:nvSpPr>
-          <p:cNvPr id="3" name="세로 본문 개체 틀 2"/>
-          <p:cNvSpPr>
-            <a:spLocks noGrp="1"/>
-          </p:cNvSpPr>
-          <p:nvPr>
-            <p:ph type="body" orient="vert" idx="1"/>
-          </p:nvPr>
-        </p:nvSpPr>
-        <p:spPr>
-          <a:xfrm>
-            <a:off x="457200" y="274638"/>
-            <a:ext cx="6019800" cy="5851525"/>
-          </a:xfrm>
-        </p:spPr>
-        <p:txBody>
-          <a:bodyPr vert="eaVert"/>
-          <a:lstStyle/>
-          <a:p>
-            <a:pPr lvl="0"/>
-            <a:r>
-              <a:rPr lang="ko-KR" altLang="en-US" smtClean="0"/>
-              <a:t>마스터 텍스트 스타일을 편집합니다</a:t>
-            </a:r>
-          </a:p>
-          <a:p>
-            <a:pPr lvl="1"/>
-            <a:r>
-              <a:rPr lang="ko-KR" altLang="en-US" smtClean="0"/>
-              <a:t>둘째 수준</a:t>
-            </a:r>
-          </a:p>
-          <a:p>
-            <a:pPr lvl="2"/>
-            <a:r>
-              <a:rPr lang="ko-KR" altLang="en-US" smtClean="0"/>
-              <a:t>셋째 수준</a:t>
-            </a:r>
-          </a:p>
-          <a:p>
-            <a:pPr lvl="3"/>
-            <a:r>
-              <a:rPr lang="ko-KR" altLang="en-US" smtClean="0"/>
-              <a:t>넷째 수준</a:t>
-            </a:r>
-          </a:p>
-          <a:p>
-            <a:pPr lvl="4"/>
-            <a:r>
-              <a:rPr lang="ko-KR" altLang="en-US" smtClean="0"/>
-              <a:t>다섯째 수준</a:t>
-            </a:r>
-            <a:endParaRPr lang="ko-KR" altLang="en-US"/>
           </a:p>
         </p:txBody>
       </p:sp>
@@ -13728,941 +11242,6 @@
 </p:sldMaster>
 </file>
 
-<file path=ppt/slideMasters/slideMaster4.xml><?xml version="1.0" encoding="utf-8"?>
-<p:sldMaster xmlns:r="http://schemas.openxmlformats.org/officeDocument/2006/relationships" xmlns:c="http://schemas.openxmlformats.org/drawingml/2006/chart" xmlns:a="http://schemas.openxmlformats.org/drawingml/2006/main" xmlns:dgm="http://schemas.openxmlformats.org/drawingml/2006/diagram" xmlns:dsp="http://schemas.microsoft.com/office/drawing/2008/diagram" xmlns:p="http://schemas.openxmlformats.org/presentationml/2006/main">
-  <p:cSld>
-    <p:bg>
-      <p:bgPr shadeToTitle="0">
-        <a:blipFill rotWithShape="1">
-          <a:blip r:embed="rId14">
-            <a:alphaModFix/>
-          </a:blip>
-          <a:stretch>
-            <a:fillRect/>
-          </a:stretch>
-        </a:blipFill>
-      </p:bgPr>
-    </p:bg>
-    <p:spTree>
-      <p:nvGrpSpPr>
-        <p:cNvPr id="1" name=""/>
-        <p:cNvGrpSpPr/>
-        <p:nvPr/>
-      </p:nvGrpSpPr>
-      <p:grpSpPr>
-        <a:xfrm>
-          <a:off x="0" y="0"/>
-          <a:ext cx="0" cy="0"/>
-          <a:chOff x="0" y="0"/>
-          <a:chExt cx="0" cy="0"/>
-        </a:xfrm>
-      </p:grpSpPr>
-      <p:sp>
-        <p:nvSpPr>
-          <p:cNvPr id="2" name="제목 개체 틀 1"/>
-          <p:cNvSpPr>
-            <a:spLocks noGrp="1"/>
-          </p:cNvSpPr>
-          <p:nvPr>
-            <p:ph type="title" idx="0"/>
-          </p:nvPr>
-        </p:nvSpPr>
-        <p:spPr>
-          <a:xfrm>
-            <a:off x="457169" y="274635"/>
-            <a:ext cx="8229050" cy="1142991"/>
-          </a:xfrm>
-          <a:prstGeom prst="rect">
-            <a:avLst/>
-          </a:prstGeom>
-        </p:spPr>
-        <p:txBody>
-          <a:bodyPr vert="horz" lIns="91440" tIns="45720" rIns="91440" bIns="45720" anchor="ctr">
-            <a:normAutofit lnSpcReduction="0"/>
-          </a:bodyPr>
-          <a:lstStyle/>
-          <a:p>
-            <a:pPr lvl="0">
-              <a:defRPr lang="ko-KR" altLang="en-US"/>
-            </a:pPr>
-            <a:r>
-              <a:rPr lang="ko-KR" altLang="en-US"/>
-              <a:t>마스터 제목 스타일 편집</a:t>
-            </a:r>
-            <a:endParaRPr lang="ko-KR" altLang="en-US"/>
-          </a:p>
-        </p:txBody>
-      </p:sp>
-      <p:sp>
-        <p:nvSpPr>
-          <p:cNvPr id="3" name="텍스트 개체 틀 2"/>
-          <p:cNvSpPr>
-            <a:spLocks noGrp="1"/>
-          </p:cNvSpPr>
-          <p:nvPr>
-            <p:ph type="body" idx="1"/>
-          </p:nvPr>
-        </p:nvSpPr>
-        <p:spPr>
-          <a:xfrm>
-            <a:off x="457169" y="1600187"/>
-            <a:ext cx="8229050" cy="4525927"/>
-          </a:xfrm>
-          <a:prstGeom prst="rect">
-            <a:avLst/>
-          </a:prstGeom>
-        </p:spPr>
-        <p:txBody>
-          <a:bodyPr vert="horz" lIns="91440" tIns="45720" rIns="91440" bIns="45720">
-            <a:normAutofit lnSpcReduction="0"/>
-          </a:bodyPr>
-          <a:lstStyle/>
-          <a:p>
-            <a:pPr lvl="0">
-              <a:defRPr lang="ko-KR" altLang="en-US"/>
-            </a:pPr>
-            <a:r>
-              <a:rPr lang="ko-KR" altLang="en-US"/>
-              <a:t>마스터 텍스트 스타일을 편집합니다</a:t>
-            </a:r>
-            <a:endParaRPr lang="ko-KR" altLang="en-US"/>
-          </a:p>
-          <a:p>
-            <a:pPr lvl="1">
-              <a:defRPr lang="ko-KR" altLang="en-US"/>
-            </a:pPr>
-            <a:r>
-              <a:rPr lang="ko-KR" altLang="en-US"/>
-              <a:t>둘째 수준</a:t>
-            </a:r>
-            <a:endParaRPr lang="ko-KR" altLang="en-US"/>
-          </a:p>
-          <a:p>
-            <a:pPr lvl="2">
-              <a:defRPr lang="ko-KR" altLang="en-US"/>
-            </a:pPr>
-            <a:r>
-              <a:rPr lang="ko-KR" altLang="en-US"/>
-              <a:t>셋째 수준</a:t>
-            </a:r>
-            <a:endParaRPr lang="ko-KR" altLang="en-US"/>
-          </a:p>
-          <a:p>
-            <a:pPr lvl="3">
-              <a:defRPr lang="ko-KR" altLang="en-US"/>
-            </a:pPr>
-            <a:r>
-              <a:rPr lang="ko-KR" altLang="en-US"/>
-              <a:t>넷째 수준</a:t>
-            </a:r>
-            <a:endParaRPr lang="ko-KR" altLang="en-US"/>
-          </a:p>
-          <a:p>
-            <a:pPr lvl="4">
-              <a:defRPr lang="ko-KR" altLang="en-US"/>
-            </a:pPr>
-            <a:r>
-              <a:rPr lang="ko-KR" altLang="en-US"/>
-              <a:t>다섯째 수준</a:t>
-            </a:r>
-            <a:endParaRPr lang="ko-KR" altLang="en-US"/>
-          </a:p>
-        </p:txBody>
-      </p:sp>
-      <p:sp>
-        <p:nvSpPr>
-          <p:cNvPr id="4" name="날짜 개체 틀 3"/>
-          <p:cNvSpPr>
-            <a:spLocks noGrp="1"/>
-          </p:cNvSpPr>
-          <p:nvPr>
-            <p:ph type="dt" sz="half" idx="2"/>
-          </p:nvPr>
-        </p:nvSpPr>
-        <p:spPr>
-          <a:xfrm>
-            <a:off x="457169" y="6356300"/>
-            <a:ext cx="2133457" cy="365122"/>
-          </a:xfrm>
-          <a:prstGeom prst="rect">
-            <a:avLst/>
-          </a:prstGeom>
-        </p:spPr>
-        <p:txBody>
-          <a:bodyPr vert="horz" lIns="91440" tIns="45720" rIns="91440" bIns="45720" anchor="ctr"/>
-          <a:lstStyle>
-            <a:lvl1pPr algn="l">
-              <a:defRPr sz="1200">
-                <a:solidFill>
-                  <a:schemeClr val="tx1">
-                    <a:tint val="75000"/>
-                  </a:schemeClr>
-                </a:solidFill>
-              </a:defRPr>
-            </a:lvl1pPr>
-          </a:lstStyle>
-          <a:p>
-            <a:pPr lvl="0">
-              <a:defRPr lang="ko-KR" altLang="en-US"/>
-            </a:pPr>
-            <a:fld id="{D422D86A-5F52-4165-8473-F1B836277586}" type="datetime1">
-              <a:rPr lang="ko-KR" altLang="en-US"/>
-              <a:pPr lvl="0">
-                <a:defRPr lang="ko-KR" altLang="en-US"/>
-              </a:pPr>
-              <a:t>2014-09-30</a:t>
-            </a:fld>
-            <a:endParaRPr lang="ko-KR" altLang="en-US"/>
-          </a:p>
-        </p:txBody>
-      </p:sp>
-      <p:sp>
-        <p:nvSpPr>
-          <p:cNvPr id="5" name="바닥글 개체 틀 4"/>
-          <p:cNvSpPr>
-            <a:spLocks noGrp="1"/>
-          </p:cNvSpPr>
-          <p:nvPr>
-            <p:ph type="ftr" sz="quarter" idx="3"/>
-          </p:nvPr>
-        </p:nvSpPr>
-        <p:spPr>
-          <a:xfrm>
-            <a:off x="3123991" y="6356300"/>
-            <a:ext cx="2895406" cy="365122"/>
-          </a:xfrm>
-          <a:prstGeom prst="rect">
-            <a:avLst/>
-          </a:prstGeom>
-        </p:spPr>
-        <p:txBody>
-          <a:bodyPr vert="horz" lIns="91440" tIns="45720" rIns="91440" bIns="45720" anchor="ctr"/>
-          <a:lstStyle>
-            <a:lvl1pPr algn="ctr">
-              <a:defRPr sz="1200">
-                <a:solidFill>
-                  <a:schemeClr val="tx1">
-                    <a:tint val="75000"/>
-                  </a:schemeClr>
-                </a:solidFill>
-              </a:defRPr>
-            </a:lvl1pPr>
-          </a:lstStyle>
-          <a:p>
-            <a:pPr lvl="0">
-              <a:defRPr lang="ko-KR" altLang="en-US"/>
-            </a:pPr>
-            <a:r>
-              <a:rPr lang="ko-KR" altLang="en-US"/>
-              <a:t/>
-            </a:r>
-            <a:endParaRPr lang="ko-KR" altLang="en-US"/>
-          </a:p>
-        </p:txBody>
-      </p:sp>
-      <p:sp>
-        <p:nvSpPr>
-          <p:cNvPr id="6" name="슬라이드 번호 개체 틀 5"/>
-          <p:cNvSpPr>
-            <a:spLocks noGrp="1"/>
-          </p:cNvSpPr>
-          <p:nvPr>
-            <p:ph type="sldNum" sz="quarter" idx="4"/>
-          </p:nvPr>
-        </p:nvSpPr>
-        <p:spPr>
-          <a:xfrm>
-            <a:off x="6552762" y="6356300"/>
-            <a:ext cx="2133457" cy="365122"/>
-          </a:xfrm>
-          <a:prstGeom prst="rect">
-            <a:avLst/>
-          </a:prstGeom>
-        </p:spPr>
-        <p:txBody>
-          <a:bodyPr vert="horz" lIns="91440" tIns="45720" rIns="91440" bIns="45720" anchor="ctr"/>
-          <a:lstStyle>
-            <a:lvl1pPr algn="r">
-              <a:defRPr sz="1200">
-                <a:solidFill>
-                  <a:schemeClr val="tx1">
-                    <a:tint val="75000"/>
-                  </a:schemeClr>
-                </a:solidFill>
-              </a:defRPr>
-            </a:lvl1pPr>
-          </a:lstStyle>
-          <a:p>
-            <a:pPr lvl="0">
-              <a:defRPr lang="ko-KR" altLang="en-US"/>
-            </a:pPr>
-            <a:fld id="{AD22CD3B-FDDF-4998-970C-76E6E0BEC65F}" type="slidenum">
-              <a:rPr lang="ko-KR" altLang="en-US"/>
-              <a:pPr lvl="0">
-                <a:defRPr lang="ko-KR" altLang="en-US"/>
-              </a:pPr>
-              <a:t>‹#›</a:t>
-            </a:fld>
-            <a:endParaRPr lang="ko-KR" altLang="en-US"/>
-          </a:p>
-        </p:txBody>
-      </p:sp>
-      <p:grpSp>
-        <p:nvGrpSpPr>
-          <p:cNvPr id="8196" name="Group 1"/>
-          <p:cNvGrpSpPr/>
-          <p:nvPr/>
-        </p:nvGrpSpPr>
-        <p:grpSpPr>
-          <a:xfrm rot="0">
-            <a:off x="0" y="0"/>
-            <a:ext cx="9143389" cy="987890"/>
-            <a:chOff x="0" y="0"/>
-            <a:chExt cx="9143389" cy="987890"/>
-          </a:xfrm>
-        </p:grpSpPr>
-        <p:sp>
-          <p:nvSpPr>
-            <p:cNvPr id="8197" name=""/>
-            <p:cNvSpPr/>
-            <p:nvPr/>
-          </p:nvSpPr>
-          <p:spPr>
-            <a:xfrm rot="21600000">
-              <a:off x="0" y="0"/>
-              <a:ext cx="8838473" cy="987890"/>
-            </a:xfrm>
-            <a:custGeom>
-              <a:avLst/>
-              <a:gdLst/>
-              <a:cxnLst>
-                <a:cxn ang="3cd4">
-                  <a:pos x="hc" y="t"/>
-                </a:cxn>
-                <a:cxn ang="cd2">
-                  <a:pos x="l" y="vc"/>
-                </a:cxn>
-                <a:cxn ang="cd4">
-                  <a:pos x="hc" y="b"/>
-                </a:cxn>
-                <a:cxn ang="0">
-                  <a:pos x="r" y="vc"/>
-                </a:cxn>
-              </a:cxnLst>
-              <a:rect l="l" t="t" r="r" b="b"/>
-              <a:pathLst>
-                <a:path w="158296" h="17693">
-                  <a:moveTo>
-                    <a:pt x="0" y="0"/>
-                  </a:moveTo>
-                  <a:lnTo>
-                    <a:pt x="158296" y="12260"/>
-                  </a:lnTo>
-                  <a:lnTo>
-                    <a:pt x="0" y="17693"/>
-                  </a:lnTo>
-                  <a:lnTo>
-                    <a:pt x="0" y="0"/>
-                  </a:lnTo>
-                </a:path>
-              </a:pathLst>
-            </a:custGeom>
-            <a:blipFill rotWithShape="1">
-              <a:blip r:embed="rId15">
-                <a:alphaModFix/>
-                <a:lum/>
-              </a:blip>
-              <a:srcRect/>
-              <a:stretch>
-                <a:fillRect/>
-              </a:stretch>
-            </a:blipFill>
-            <a:ln w="9525" cap="flat" cmpd="sng" algn="ctr">
-              <a:noFill/>
-              <a:prstDash val="solid"/>
-              <a:round/>
-            </a:ln>
-            <a:effectLst>
-              <a:outerShdw blurRad="50800" dist="38079" dir="5400000" algn="br">
-                <a:srgbClr val="000000">
-                  <a:alpha val="40000"/>
-                </a:srgbClr>
-              </a:outerShdw>
-            </a:effectLst>
-          </p:spPr>
-        </p:sp>
-        <p:sp>
-          <p:nvSpPr>
-            <p:cNvPr id="8198" name=""/>
-            <p:cNvSpPr/>
-            <p:nvPr/>
-          </p:nvSpPr>
-          <p:spPr>
-            <a:xfrm rot="21600000">
-              <a:off x="0" y="0"/>
-              <a:ext cx="9143389" cy="987890"/>
-            </a:xfrm>
-            <a:custGeom>
-              <a:avLst/>
-              <a:gdLst/>
-              <a:cxnLst>
-                <a:cxn ang="3cd4">
-                  <a:pos x="hc" y="t"/>
-                </a:cxn>
-                <a:cxn ang="cd2">
-                  <a:pos x="l" y="vc"/>
-                </a:cxn>
-                <a:cxn ang="cd4">
-                  <a:pos x="hc" y="b"/>
-                </a:cxn>
-                <a:cxn ang="0">
-                  <a:pos x="r" y="vc"/>
-                </a:cxn>
-              </a:cxnLst>
-              <a:rect l="l" t="t" r="r" b="b"/>
-              <a:pathLst>
-                <a:path w="163757" h="17693">
-                  <a:moveTo>
-                    <a:pt x="163757" y="0"/>
-                  </a:moveTo>
-                  <a:lnTo>
-                    <a:pt x="0" y="0"/>
-                  </a:lnTo>
-                  <a:lnTo>
-                    <a:pt x="171" y="8989"/>
-                  </a:lnTo>
-                  <a:lnTo>
-                    <a:pt x="163757" y="17693"/>
-                  </a:lnTo>
-                  <a:lnTo>
-                    <a:pt x="163757" y="0"/>
-                  </a:lnTo>
-                </a:path>
-              </a:pathLst>
-            </a:custGeom>
-            <a:blipFill rotWithShape="1">
-              <a:blip r:embed="rId16">
-                <a:alphaModFix/>
-                <a:lum/>
-              </a:blip>
-              <a:srcRect/>
-              <a:stretch>
-                <a:fillRect/>
-              </a:stretch>
-            </a:blipFill>
-            <a:ln w="9525" cap="flat" cmpd="sng" algn="ctr">
-              <a:noFill/>
-              <a:prstDash val="solid"/>
-              <a:round/>
-            </a:ln>
-            <a:effectLst>
-              <a:outerShdw blurRad="50800" dist="38079" dir="5400000" algn="br">
-                <a:schemeClr val="accent1">
-                  <a:alpha val="40000"/>
-                </a:schemeClr>
-              </a:outerShdw>
-            </a:effectLst>
-          </p:spPr>
-        </p:sp>
-      </p:grpSp>
-      <p:grpSp>
-        <p:nvGrpSpPr>
-          <p:cNvPr id="8199" name="Group 2"/>
-          <p:cNvGrpSpPr/>
-          <p:nvPr/>
-        </p:nvGrpSpPr>
-        <p:grpSpPr>
-          <a:xfrm rot="0">
-            <a:off x="8074537" y="149303"/>
-            <a:ext cx="929096" cy="1664444"/>
-            <a:chOff x="8074537" y="149303"/>
-            <a:chExt cx="929096" cy="1664444"/>
-          </a:xfrm>
-        </p:grpSpPr>
-        <p:sp>
-          <p:nvSpPr>
-            <p:cNvPr id="8200" name=""/>
-            <p:cNvSpPr/>
-            <p:nvPr/>
-          </p:nvSpPr>
-          <p:spPr>
-            <a:xfrm>
-              <a:off x="8379453" y="1673992"/>
-              <a:ext cx="141374" cy="139755"/>
-            </a:xfrm>
-            <a:prstGeom prst="ellipse">
-              <a:avLst/>
-            </a:prstGeom>
-            <a:solidFill>
-              <a:srgbClr val="b3ffe8">
-                <a:alpha val="82000"/>
-              </a:srgbClr>
-            </a:solidFill>
-            <a:ln w="9525" cap="flat" cmpd="sng" algn="ctr">
-              <a:noFill/>
-              <a:prstDash val="solid"/>
-              <a:round/>
-            </a:ln>
-          </p:spPr>
-        </p:sp>
-        <p:sp>
-          <p:nvSpPr>
-            <p:cNvPr id="8201" name=""/>
-            <p:cNvSpPr/>
-            <p:nvPr/>
-          </p:nvSpPr>
-          <p:spPr>
-            <a:xfrm>
-              <a:off x="8074537" y="938643"/>
-              <a:ext cx="393860" cy="392297"/>
-            </a:xfrm>
-            <a:prstGeom prst="ellipse">
-              <a:avLst/>
-            </a:prstGeom>
-            <a:solidFill>
-              <a:srgbClr val="00825a">
-                <a:alpha val="29000"/>
-              </a:srgbClr>
-            </a:solidFill>
-            <a:ln w="9525" cap="flat" cmpd="sng" algn="ctr">
-              <a:noFill/>
-              <a:prstDash val="solid"/>
-              <a:round/>
-            </a:ln>
-          </p:spPr>
-        </p:sp>
-        <p:sp>
-          <p:nvSpPr>
-            <p:cNvPr id="8202" name=""/>
-            <p:cNvSpPr/>
-            <p:nvPr/>
-          </p:nvSpPr>
-          <p:spPr>
-            <a:xfrm>
-              <a:off x="8457287" y="1141939"/>
-              <a:ext cx="509830" cy="513012"/>
-            </a:xfrm>
-            <a:prstGeom prst="ellipse">
-              <a:avLst/>
-            </a:prstGeom>
-            <a:solidFill>
-              <a:srgbClr val="6ab3c4">
-                <a:alpha val="35000"/>
-              </a:srgbClr>
-            </a:solidFill>
-            <a:ln w="9525" cap="flat" cmpd="sng" algn="ctr">
-              <a:noFill/>
-              <a:prstDash val="solid"/>
-              <a:round/>
-            </a:ln>
-          </p:spPr>
-        </p:sp>
-        <p:sp>
-          <p:nvSpPr>
-            <p:cNvPr id="8203" name=""/>
-            <p:cNvSpPr/>
-            <p:nvPr/>
-          </p:nvSpPr>
-          <p:spPr>
-            <a:xfrm>
-              <a:off x="8468398" y="806817"/>
-              <a:ext cx="231883" cy="228700"/>
-            </a:xfrm>
-            <a:prstGeom prst="ellipse">
-              <a:avLst/>
-            </a:prstGeom>
-            <a:solidFill>
-              <a:srgbClr val="6ab3c4">
-                <a:alpha val="70000"/>
-              </a:srgbClr>
-            </a:solidFill>
-            <a:ln w="9525" cap="flat" cmpd="sng" algn="ctr">
-              <a:noFill/>
-              <a:prstDash val="solid"/>
-              <a:round/>
-            </a:ln>
-          </p:spPr>
-        </p:sp>
-        <p:sp>
-          <p:nvSpPr>
-            <p:cNvPr id="8204" name=""/>
-            <p:cNvSpPr/>
-            <p:nvPr/>
-          </p:nvSpPr>
-          <p:spPr>
-            <a:xfrm>
-              <a:off x="8074537" y="149303"/>
-              <a:ext cx="614632" cy="617815"/>
-            </a:xfrm>
-            <a:prstGeom prst="ellipse">
-              <a:avLst/>
-            </a:prstGeom>
-            <a:solidFill>
-              <a:srgbClr val="94d151">
-                <a:alpha val="36000"/>
-              </a:srgbClr>
-            </a:solidFill>
-            <a:ln w="9525" cap="flat" cmpd="sng" algn="ctr">
-              <a:noFill/>
-              <a:prstDash val="solid"/>
-              <a:round/>
-            </a:ln>
-          </p:spPr>
-        </p:sp>
-        <p:sp>
-          <p:nvSpPr>
-            <p:cNvPr id="8205" name=""/>
-            <p:cNvSpPr/>
-            <p:nvPr/>
-          </p:nvSpPr>
-          <p:spPr>
-            <a:xfrm>
-              <a:off x="8774933" y="195367"/>
-              <a:ext cx="228700" cy="228700"/>
-            </a:xfrm>
-            <a:prstGeom prst="ellipse">
-              <a:avLst/>
-            </a:prstGeom>
-            <a:solidFill>
-              <a:srgbClr val="00825a">
-                <a:alpha val="65000"/>
-              </a:srgbClr>
-            </a:solidFill>
-            <a:ln w="9525" cap="flat" cmpd="sng" algn="ctr">
-              <a:noFill/>
-              <a:prstDash val="solid"/>
-              <a:round/>
-            </a:ln>
-          </p:spPr>
-        </p:sp>
-      </p:grpSp>
-    </p:spTree>
-  </p:cSld>
-  <p:clrMap bg1="lt1" tx1="dk1" bg2="lt2" tx2="dk2" accent1="accent1" accent2="accent2" accent3="accent3" accent4="accent4" accent5="accent5" accent6="accent6" hlink="hlink" folHlink="folHlink"/>
-  <p:sldLayoutIdLst>
-    <p:sldLayoutId id="2147483754" r:id="rId1"/>
-    <p:sldLayoutId id="2147483755" r:id="rId2"/>
-    <p:sldLayoutId id="2147483756" r:id="rId3"/>
-    <p:sldLayoutId id="2147483757" r:id="rId4"/>
-    <p:sldLayoutId id="2147483758" r:id="rId5"/>
-    <p:sldLayoutId id="2147483759" r:id="rId6"/>
-    <p:sldLayoutId id="2147483760" r:id="rId7"/>
-    <p:sldLayoutId id="2147483761" r:id="rId8"/>
-    <p:sldLayoutId id="2147483762" r:id="rId9"/>
-    <p:sldLayoutId id="2147483763" r:id="rId10"/>
-    <p:sldLayoutId id="2147483764" r:id="rId11"/>
-    <p:sldLayoutId id="2147483765" r:id="rId12"/>
-  </p:sldLayoutIdLst>
-  <p:transition xmlns:mc="http://schemas.openxmlformats.org/markup-compatibility/2006" xmlns:hp="http://schemas.haansoft.com/office/presentation/8.0" mc:Ignorable="hp" hp:hslDur="500"/>
-  <p:txStyles>
-    <p:titleStyle>
-      <a:lvl1pPr algn="ctr" defTabSz="914400" rtl="0" eaLnBrk="1" latinLnBrk="1" hangingPunct="1">
-        <a:spcBef>
-          <a:spcPct val="0"/>
-        </a:spcBef>
-        <a:buNone/>
-        <a:defRPr sz="4400" kern="1200">
-          <a:solidFill>
-            <a:schemeClr val="tx1"/>
-          </a:solidFill>
-          <a:latin typeface="+mj-lt"/>
-          <a:ea typeface="+mj-ea"/>
-          <a:cs typeface="+mj-cs"/>
-        </a:defRPr>
-      </a:lvl1pPr>
-      <a:lvl2pPr eaLnBrk="1" latinLnBrk="1" hangingPunct="1">
-        <a:defRPr>
-          <a:solidFill>
-            <a:schemeClr val="tx2"/>
-          </a:solidFill>
-        </a:defRPr>
-      </a:lvl2pPr>
-      <a:lvl3pPr eaLnBrk="1" latinLnBrk="1" hangingPunct="1">
-        <a:defRPr>
-          <a:solidFill>
-            <a:schemeClr val="tx2"/>
-          </a:solidFill>
-        </a:defRPr>
-      </a:lvl3pPr>
-      <a:lvl4pPr eaLnBrk="1" latinLnBrk="1" hangingPunct="1">
-        <a:defRPr>
-          <a:solidFill>
-            <a:schemeClr val="tx2"/>
-          </a:solidFill>
-        </a:defRPr>
-      </a:lvl4pPr>
-      <a:lvl5pPr eaLnBrk="1" latinLnBrk="1" hangingPunct="1">
-        <a:defRPr>
-          <a:solidFill>
-            <a:schemeClr val="tx2"/>
-          </a:solidFill>
-        </a:defRPr>
-      </a:lvl5pPr>
-      <a:lvl6pPr eaLnBrk="1" latinLnBrk="1" hangingPunct="1">
-        <a:defRPr>
-          <a:solidFill>
-            <a:schemeClr val="tx2"/>
-          </a:solidFill>
-        </a:defRPr>
-      </a:lvl6pPr>
-      <a:lvl7pPr eaLnBrk="1" latinLnBrk="1" hangingPunct="1">
-        <a:defRPr>
-          <a:solidFill>
-            <a:schemeClr val="tx2"/>
-          </a:solidFill>
-        </a:defRPr>
-      </a:lvl7pPr>
-      <a:lvl8pPr eaLnBrk="1" latinLnBrk="1" hangingPunct="1">
-        <a:defRPr>
-          <a:solidFill>
-            <a:schemeClr val="tx2"/>
-          </a:solidFill>
-        </a:defRPr>
-      </a:lvl8pPr>
-      <a:lvl9pPr eaLnBrk="1" latinLnBrk="1" hangingPunct="1">
-        <a:defRPr>
-          <a:solidFill>
-            <a:schemeClr val="tx2"/>
-          </a:solidFill>
-        </a:defRPr>
-      </a:lvl9pPr>
-    </p:titleStyle>
-    <p:bodyStyle>
-      <a:lvl1pPr marL="342900" indent="-342900" algn="l" defTabSz="914400" rtl="0" eaLnBrk="1" latinLnBrk="1" hangingPunct="1">
-        <a:spcBef>
-          <a:spcPct val="20000"/>
-        </a:spcBef>
-        <a:buFont typeface="Arial"/>
-        <a:buChar char="•"/>
-        <a:defRPr sz="3200" kern="1200">
-          <a:solidFill>
-            <a:schemeClr val="tx1"/>
-          </a:solidFill>
-          <a:latin typeface="+mn-lt"/>
-          <a:ea typeface="+mn-ea"/>
-          <a:cs typeface="+mn-cs"/>
-        </a:defRPr>
-      </a:lvl1pPr>
-      <a:lvl2pPr marL="742950" indent="-285750" algn="l" defTabSz="914400" rtl="0" eaLnBrk="1" latinLnBrk="1" hangingPunct="1">
-        <a:spcBef>
-          <a:spcPct val="20000"/>
-        </a:spcBef>
-        <a:buFont typeface="Arial"/>
-        <a:buChar char="–"/>
-        <a:defRPr sz="2800" kern="1200">
-          <a:solidFill>
-            <a:schemeClr val="tx1"/>
-          </a:solidFill>
-          <a:latin typeface="+mn-lt"/>
-          <a:ea typeface="+mn-ea"/>
-          <a:cs typeface="+mn-cs"/>
-        </a:defRPr>
-      </a:lvl2pPr>
-      <a:lvl3pPr marL="1143000" indent="-228600" algn="l" defTabSz="914400" rtl="0" eaLnBrk="1" latinLnBrk="1" hangingPunct="1">
-        <a:spcBef>
-          <a:spcPct val="20000"/>
-        </a:spcBef>
-        <a:buFont typeface="Arial"/>
-        <a:buChar char="•"/>
-        <a:defRPr sz="2400" kern="1200">
-          <a:solidFill>
-            <a:schemeClr val="tx1"/>
-          </a:solidFill>
-          <a:latin typeface="+mn-lt"/>
-          <a:ea typeface="+mn-ea"/>
-          <a:cs typeface="+mn-cs"/>
-        </a:defRPr>
-      </a:lvl3pPr>
-      <a:lvl4pPr marL="1600200" indent="-228600" algn="l" defTabSz="914400" rtl="0" eaLnBrk="1" latinLnBrk="1" hangingPunct="1">
-        <a:spcBef>
-          <a:spcPct val="20000"/>
-        </a:spcBef>
-        <a:buFont typeface="Arial"/>
-        <a:buChar char="–"/>
-        <a:defRPr sz="2000" kern="1200">
-          <a:solidFill>
-            <a:schemeClr val="tx1"/>
-          </a:solidFill>
-          <a:latin typeface="+mn-lt"/>
-          <a:ea typeface="+mn-ea"/>
-          <a:cs typeface="+mn-cs"/>
-        </a:defRPr>
-      </a:lvl4pPr>
-      <a:lvl5pPr marL="2057400" indent="-228600" algn="l" defTabSz="914400" rtl="0" eaLnBrk="1" latinLnBrk="1" hangingPunct="1">
-        <a:spcBef>
-          <a:spcPct val="20000"/>
-        </a:spcBef>
-        <a:buFont typeface="Arial"/>
-        <a:buChar char="»"/>
-        <a:defRPr sz="2000" kern="1200">
-          <a:solidFill>
-            <a:schemeClr val="tx1"/>
-          </a:solidFill>
-          <a:latin typeface="+mn-lt"/>
-          <a:ea typeface="+mn-ea"/>
-          <a:cs typeface="+mn-cs"/>
-        </a:defRPr>
-      </a:lvl5pPr>
-      <a:lvl6pPr marL="2514600" indent="-228600" algn="l" defTabSz="914400" rtl="0" eaLnBrk="1" latinLnBrk="1" hangingPunct="1">
-        <a:spcBef>
-          <a:spcPct val="20000"/>
-        </a:spcBef>
-        <a:buFont typeface="Arial"/>
-        <a:buChar char="•"/>
-        <a:defRPr sz="2000" kern="1200">
-          <a:solidFill>
-            <a:schemeClr val="tx1"/>
-          </a:solidFill>
-          <a:latin typeface="+mn-lt"/>
-          <a:ea typeface="+mn-ea"/>
-          <a:cs typeface="+mn-cs"/>
-        </a:defRPr>
-      </a:lvl6pPr>
-      <a:lvl7pPr marL="2971800" indent="-228600" algn="l" defTabSz="914400" rtl="0" eaLnBrk="1" latinLnBrk="1" hangingPunct="1">
-        <a:spcBef>
-          <a:spcPct val="20000"/>
-        </a:spcBef>
-        <a:buFont typeface="Arial"/>
-        <a:buChar char="•"/>
-        <a:defRPr sz="2000" kern="1200">
-          <a:solidFill>
-            <a:schemeClr val="tx1"/>
-          </a:solidFill>
-          <a:latin typeface="+mn-lt"/>
-          <a:ea typeface="+mn-ea"/>
-          <a:cs typeface="+mn-cs"/>
-        </a:defRPr>
-      </a:lvl7pPr>
-      <a:lvl8pPr marL="3429000" indent="-228600" algn="l" defTabSz="914400" rtl="0" eaLnBrk="1" latinLnBrk="1" hangingPunct="1">
-        <a:spcBef>
-          <a:spcPct val="20000"/>
-        </a:spcBef>
-        <a:buFont typeface="Arial"/>
-        <a:buChar char="•"/>
-        <a:defRPr sz="2000" kern="1200">
-          <a:solidFill>
-            <a:schemeClr val="tx1"/>
-          </a:solidFill>
-          <a:latin typeface="+mn-lt"/>
-          <a:ea typeface="+mn-ea"/>
-          <a:cs typeface="+mn-cs"/>
-        </a:defRPr>
-      </a:lvl8pPr>
-      <a:lvl9pPr marL="3886200" indent="-228600" algn="l" defTabSz="914400" rtl="0" eaLnBrk="1" latinLnBrk="1" hangingPunct="1">
-        <a:spcBef>
-          <a:spcPct val="20000"/>
-        </a:spcBef>
-        <a:buFont typeface="Arial"/>
-        <a:buChar char="•"/>
-        <a:defRPr sz="2000" kern="1200">
-          <a:solidFill>
-            <a:schemeClr val="tx1"/>
-          </a:solidFill>
-          <a:latin typeface="+mn-lt"/>
-          <a:ea typeface="+mn-ea"/>
-          <a:cs typeface="+mn-cs"/>
-        </a:defRPr>
-      </a:lvl9pPr>
-    </p:bodyStyle>
-    <p:otherStyle>
-      <a:defPPr>
-        <a:defRPr lang="ko-KR"/>
-      </a:defPPr>
-      <a:lvl1pPr marL="0" algn="l" defTabSz="914400" rtl="0" eaLnBrk="1" latinLnBrk="1" hangingPunct="1">
-        <a:defRPr sz="1800" kern="1200">
-          <a:solidFill>
-            <a:schemeClr val="tx1"/>
-          </a:solidFill>
-          <a:latin typeface="+mn-lt"/>
-          <a:ea typeface="+mn-ea"/>
-          <a:cs typeface="+mn-cs"/>
-        </a:defRPr>
-      </a:lvl1pPr>
-      <a:lvl2pPr marL="457200" algn="l" defTabSz="914400" rtl="0" eaLnBrk="1" latinLnBrk="1" hangingPunct="1">
-        <a:defRPr sz="1800" kern="1200">
-          <a:solidFill>
-            <a:schemeClr val="tx1"/>
-          </a:solidFill>
-          <a:latin typeface="+mn-lt"/>
-          <a:ea typeface="+mn-ea"/>
-          <a:cs typeface="+mn-cs"/>
-        </a:defRPr>
-      </a:lvl2pPr>
-      <a:lvl3pPr marL="914400" algn="l" defTabSz="914400" rtl="0" eaLnBrk="1" latinLnBrk="1" hangingPunct="1">
-        <a:defRPr sz="1800" kern="1200">
-          <a:solidFill>
-            <a:schemeClr val="tx1"/>
-          </a:solidFill>
-          <a:latin typeface="+mn-lt"/>
-          <a:ea typeface="+mn-ea"/>
-          <a:cs typeface="+mn-cs"/>
-        </a:defRPr>
-      </a:lvl3pPr>
-      <a:lvl4pPr marL="1371600" algn="l" defTabSz="914400" rtl="0" eaLnBrk="1" latinLnBrk="1" hangingPunct="1">
-        <a:defRPr sz="1800" kern="1200">
-          <a:solidFill>
-            <a:schemeClr val="tx1"/>
-          </a:solidFill>
-          <a:latin typeface="+mn-lt"/>
-          <a:ea typeface="+mn-ea"/>
-          <a:cs typeface="+mn-cs"/>
-        </a:defRPr>
-      </a:lvl4pPr>
-      <a:lvl5pPr marL="1828800" algn="l" defTabSz="914400" rtl="0" eaLnBrk="1" latinLnBrk="1" hangingPunct="1">
-        <a:defRPr sz="1800" kern="1200">
-          <a:solidFill>
-            <a:schemeClr val="tx1"/>
-          </a:solidFill>
-          <a:latin typeface="+mn-lt"/>
-          <a:ea typeface="+mn-ea"/>
-          <a:cs typeface="+mn-cs"/>
-        </a:defRPr>
-      </a:lvl5pPr>
-      <a:lvl6pPr marL="2286000" algn="l" defTabSz="914400" rtl="0" eaLnBrk="1" latinLnBrk="1" hangingPunct="1">
-        <a:defRPr sz="1800" kern="1200">
-          <a:solidFill>
-            <a:schemeClr val="tx1"/>
-          </a:solidFill>
-          <a:latin typeface="+mn-lt"/>
-          <a:ea typeface="+mn-ea"/>
-          <a:cs typeface="+mn-cs"/>
-        </a:defRPr>
-      </a:lvl6pPr>
-      <a:lvl7pPr marL="2743200" algn="l" defTabSz="914400" rtl="0" eaLnBrk="1" latinLnBrk="1" hangingPunct="1">
-        <a:defRPr sz="1800" kern="1200">
-          <a:solidFill>
-            <a:schemeClr val="tx1"/>
-          </a:solidFill>
-          <a:latin typeface="+mn-lt"/>
-          <a:ea typeface="+mn-ea"/>
-          <a:cs typeface="+mn-cs"/>
-        </a:defRPr>
-      </a:lvl7pPr>
-      <a:lvl8pPr marL="3200400" algn="l" defTabSz="914400" rtl="0" eaLnBrk="1" latinLnBrk="1" hangingPunct="1">
-        <a:defRPr sz="1800" kern="1200">
-          <a:solidFill>
-            <a:schemeClr val="tx1"/>
-          </a:solidFill>
-          <a:latin typeface="+mn-lt"/>
-          <a:ea typeface="+mn-ea"/>
-          <a:cs typeface="+mn-cs"/>
-        </a:defRPr>
-      </a:lvl8pPr>
-      <a:lvl9pPr marL="3657600" algn="l" defTabSz="914400" rtl="0" eaLnBrk="1" latinLnBrk="1" hangingPunct="1">
-        <a:defRPr sz="1800" kern="1200">
-          <a:solidFill>
-            <a:schemeClr val="tx1"/>
-          </a:solidFill>
-          <a:latin typeface="+mn-lt"/>
-          <a:ea typeface="+mn-ea"/>
-          <a:cs typeface="+mn-cs"/>
-        </a:defRPr>
-      </a:lvl9pPr>
-    </p:otherStyle>
-  </p:txStyles>
-</p:sldMaster>
-</file>
-
 <file path=ppt/slides/slide1.xml><?xml version="1.0" encoding="utf-8"?>
 <p:sld xmlns:r="http://schemas.openxmlformats.org/officeDocument/2006/relationships" xmlns:c="http://schemas.openxmlformats.org/drawingml/2006/chart" xmlns:a="http://schemas.openxmlformats.org/drawingml/2006/main" xmlns:dgm="http://schemas.openxmlformats.org/drawingml/2006/diagram" xmlns:dsp="http://schemas.microsoft.com/office/drawing/2008/diagram" xmlns:p="http://schemas.openxmlformats.org/presentationml/2006/main">
   <p:cSld>
@@ -14842,389 +11421,6 @@
       </p:grpSpPr>
       <p:sp>
         <p:nvSpPr>
-          <p:cNvPr id="9220" name="제목 1"/>
-          <p:cNvSpPr>
-            <a:spLocks noGrp="1"/>
-          </p:cNvSpPr>
-          <p:nvPr>
-            <p:ph type="title" idx="0"/>
-          </p:nvPr>
-        </p:nvSpPr>
-        <p:spPr>
-          <a:xfrm>
-            <a:off x="455837" y="74651"/>
-            <a:ext cx="8230150" cy="867175"/>
-          </a:xfrm>
-          <a:noFill/>
-          <a:ln w="9525" cap="flat" cmpd="sng" algn="ctr">
-            <a:noFill/>
-            <a:prstDash val="solid"/>
-            <a:round/>
-          </a:ln>
-        </p:spPr>
-        <p:txBody>
-          <a:bodyPr vert="horz" wrap="square" lIns="91440" tIns="45720" rIns="91440" bIns="45720" anchor="ctr">
-            <a:noAutofit/>
-          </a:bodyPr>
-          <a:lstStyle/>
-          <a:p>
-            <a:pPr marL="0" lvl="0" indent="0" algn="l" defTabSz="927298">
-              <a:lnSpc>
-                <a:spcPct val="100000"/>
-              </a:lnSpc>
-              <a:spcBef>
-                <a:spcPct val="0"/>
-              </a:spcBef>
-              <a:spcAft>
-                <a:spcPct val="0"/>
-              </a:spcAft>
-              <a:buNone/>
-              <a:defRPr lang="ko-KR" altLang="en-US"/>
-            </a:pPr>
-            <a:r>
-              <a:rPr xmlns:mc="http://schemas.openxmlformats.org/markup-compatibility/2006" xmlns:hp="http://schemas.haansoft.com/office/presentation/8.0" lang="ko-KR" altLang="en-US" sz="3600" b="0" i="0" mc:Ignorable="hp" hp:hslEmbossed="0">
-                <a:solidFill>
-                  <a:srgbClr val="ffffff">
-                    <a:alpha val="100000"/>
-                  </a:srgbClr>
-                </a:solidFill>
-                <a:latin typeface="Tahoma"/>
-                <a:ea typeface="한컴 윤고딕 240"/>
-                <a:sym typeface="Arial"/>
-              </a:rPr>
-              <a:t>매쥑이란?</a:t>
-            </a:r>
-            <a:endParaRPr xmlns:mc="http://schemas.openxmlformats.org/markup-compatibility/2006" xmlns:hp="http://schemas.haansoft.com/office/presentation/8.0" lang="ko-KR" altLang="ko-KR" sz="3600" b="0" i="0" mc:Ignorable="hp" hp:hslEmbossed="0">
-              <a:solidFill>
-                <a:srgbClr val="ffffff">
-                  <a:alpha val="100000"/>
-                </a:srgbClr>
-              </a:solidFill>
-              <a:latin typeface="Tahoma"/>
-              <a:ea typeface="한컴 윤고딕 240"/>
-              <a:sym typeface="Arial"/>
-            </a:endParaRPr>
-          </a:p>
-        </p:txBody>
-      </p:sp>
-      <p:sp>
-        <p:nvSpPr>
-          <p:cNvPr id="9221" name=""/>
-          <p:cNvSpPr txBox="1"/>
-          <p:nvPr/>
-        </p:nvSpPr>
-        <p:spPr>
-          <a:xfrm>
-            <a:off x="455837" y="1130828"/>
-            <a:ext cx="8230150" cy="2514253"/>
-          </a:xfrm>
-          <a:prstGeom prst="rect">
-            <a:avLst/>
-          </a:prstGeom>
-          <a:noFill/>
-          <a:ln w="9525" cap="flat" cmpd="sng" algn="ctr">
-            <a:noFill/>
-            <a:prstDash val="solid"/>
-            <a:round/>
-          </a:ln>
-        </p:spPr>
-        <p:txBody>
-          <a:bodyPr vert="horz" wrap="square" lIns="91440" tIns="45720" rIns="91440" bIns="45720" anchor="t">
-            <a:noAutofit/>
-          </a:bodyPr>
-          <a:p>
-            <a:pPr marL="269963" lvl="0" indent="-269963" algn="l" defTabSz="927298">
-              <a:lnSpc>
-                <a:spcPct val="100000"/>
-              </a:lnSpc>
-              <a:spcBef>
-                <a:spcPct val="20000"/>
-              </a:spcBef>
-              <a:spcAft>
-                <a:spcPct val="0"/>
-              </a:spcAft>
-              <a:buClr>
-                <a:srgbClr val="2e6774">
-                  <a:alpha val="100000"/>
-                </a:srgbClr>
-              </a:buClr>
-              <a:buSzPct val="80000"/>
-              <a:buFont typeface="Wingdings"/>
-              <a:buChar char="£"/>
-              <a:defRPr lang="ko-KR" altLang="en-US"/>
-            </a:pPr>
-            <a:r>
-              <a:rPr xmlns:mc="http://schemas.openxmlformats.org/markup-compatibility/2006" xmlns:hp="http://schemas.haansoft.com/office/presentation/8.0" lang="ko-KR" altLang="en-US" sz="2400" b="0" i="0" mc:Ignorable="hp" hp:hslEmbossed="0">
-                <a:solidFill>
-                  <a:srgbClr val="333333">
-                    <a:alpha val="100000"/>
-                  </a:srgbClr>
-                </a:solidFill>
-                <a:latin typeface="Arial"/>
-                <a:ea typeface="한컴 윤고딕 230"/>
-                <a:sym typeface="Wingdings"/>
-              </a:rPr>
-              <a:t>마술봉을 이용해 쥐 인형을 조종하는 장난감</a:t>
-            </a:r>
-            <a:endParaRPr xmlns:mc="http://schemas.openxmlformats.org/markup-compatibility/2006" xmlns:hp="http://schemas.haansoft.com/office/presentation/8.0" lang="ko-KR" altLang="en-US" sz="2400" b="0" i="0" mc:Ignorable="hp" hp:hslEmbossed="0">
-              <a:solidFill>
-                <a:srgbClr val="333333">
-                  <a:alpha val="100000"/>
-                </a:srgbClr>
-              </a:solidFill>
-              <a:latin typeface="Arial"/>
-              <a:ea typeface="한컴 윤고딕 230"/>
-              <a:sym typeface="Wingdings"/>
-            </a:endParaRPr>
-          </a:p>
-          <a:p>
-            <a:pPr marL="269963" lvl="0" indent="-269963" algn="l" defTabSz="927298">
-              <a:lnSpc>
-                <a:spcPct val="100000"/>
-              </a:lnSpc>
-              <a:spcBef>
-                <a:spcPct val="20000"/>
-              </a:spcBef>
-              <a:spcAft>
-                <a:spcPct val="0"/>
-              </a:spcAft>
-              <a:buClr>
-                <a:srgbClr val="2e6774">
-                  <a:alpha val="100000"/>
-                </a:srgbClr>
-              </a:buClr>
-              <a:buSzPct val="80000"/>
-              <a:buFont typeface="Wingdings"/>
-              <a:buChar char="£"/>
-              <a:defRPr lang="ko-KR" altLang="en-US"/>
-            </a:pPr>
-            <a:r>
-              <a:rPr xmlns:mc="http://schemas.openxmlformats.org/markup-compatibility/2006" xmlns:hp="http://schemas.haansoft.com/office/presentation/8.0" lang="ko-KR" altLang="en-US" sz="2400" b="0" i="0" mc:Ignorable="hp" hp:hslEmbossed="0">
-                <a:solidFill>
-                  <a:srgbClr val="333333">
-                    <a:alpha val="100000"/>
-                  </a:srgbClr>
-                </a:solidFill>
-                <a:latin typeface="Arial"/>
-                <a:ea typeface="한컴 윤고딕 230"/>
-                <a:sym typeface="Wingdings"/>
-              </a:rPr>
-              <a:t>주 이용층 : 마법의 기분을 느끼고 싶은 어린아이 혹은 애완동물과 놀고싶은 애완동물들의 주인들</a:t>
-            </a:r>
-            <a:endParaRPr xmlns:mc="http://schemas.openxmlformats.org/markup-compatibility/2006" xmlns:hp="http://schemas.haansoft.com/office/presentation/8.0" lang="ko-KR" altLang="en-US" sz="2400" b="0" i="0" mc:Ignorable="hp" hp:hslEmbossed="0">
-              <a:solidFill>
-                <a:srgbClr val="333333">
-                  <a:alpha val="100000"/>
-                </a:srgbClr>
-              </a:solidFill>
-              <a:latin typeface="Arial"/>
-              <a:ea typeface="한컴 윤고딕 230"/>
-              <a:sym typeface="Wingdings"/>
-            </a:endParaRPr>
-          </a:p>
-          <a:p>
-            <a:pPr marL="269963" lvl="0" indent="-269963" algn="l" defTabSz="927298">
-              <a:lnSpc>
-                <a:spcPct val="100000"/>
-              </a:lnSpc>
-              <a:spcBef>
-                <a:spcPct val="20000"/>
-              </a:spcBef>
-              <a:spcAft>
-                <a:spcPct val="0"/>
-              </a:spcAft>
-              <a:buClr>
-                <a:srgbClr val="2e6774">
-                  <a:alpha val="100000"/>
-                </a:srgbClr>
-              </a:buClr>
-              <a:buSzPct val="80000"/>
-              <a:buFont typeface="Wingdings"/>
-              <a:buChar char="£"/>
-              <a:defRPr lang="ko-KR" altLang="en-US"/>
-            </a:pPr>
-            <a:r>
-              <a:rPr xmlns:mc="http://schemas.openxmlformats.org/markup-compatibility/2006" xmlns:hp="http://schemas.haansoft.com/office/presentation/8.0" lang="ko-KR" altLang="en-US" sz="2400" b="0" i="0" mc:Ignorable="hp" hp:hslEmbossed="0">
-                <a:solidFill>
-                  <a:srgbClr val="333333">
-                    <a:alpha val="100000"/>
-                  </a:srgbClr>
-                </a:solidFill>
-                <a:latin typeface="Arial"/>
-                <a:ea typeface="한컴 윤고딕 230"/>
-                <a:sym typeface="Wingdings"/>
-              </a:rPr>
-              <a:t>특징 :</a:t>
-            </a:r>
-            <a:r>
-              <a:rPr xmlns:mc="http://schemas.openxmlformats.org/markup-compatibility/2006" xmlns:hp="http://schemas.haansoft.com/office/presentation/8.0" lang="en-US" altLang="ko-KR" sz="2400" b="0" i="0" mc:Ignorable="hp" hp:hslEmbossed="0">
-                <a:solidFill>
-                  <a:srgbClr val="333333">
-                    <a:alpha val="100000"/>
-                  </a:srgbClr>
-                </a:solidFill>
-                <a:latin typeface="Arial"/>
-                <a:ea typeface="한컴 윤고딕 230"/>
-                <a:sym typeface="Wingdings"/>
-              </a:rPr>
-              <a:t> </a:t>
-            </a:r>
-            <a:r>
-              <a:rPr xmlns:mc="http://schemas.openxmlformats.org/markup-compatibility/2006" xmlns:hp="http://schemas.haansoft.com/office/presentation/8.0" lang="ko-KR" altLang="en-US" sz="2400" b="0" i="0" mc:Ignorable="hp" hp:hslEmbossed="0">
-                <a:solidFill>
-                  <a:srgbClr val="333333">
-                    <a:alpha val="100000"/>
-                  </a:srgbClr>
-                </a:solidFill>
-                <a:latin typeface="Arial"/>
-                <a:ea typeface="한컴 윤고딕 230"/>
-                <a:sym typeface="Wingdings"/>
-              </a:rPr>
-              <a:t>귀여움 / 약간 큼 / 직관적인 움직임 구현</a:t>
-            </a:r>
-            <a:endParaRPr xmlns:mc="http://schemas.openxmlformats.org/markup-compatibility/2006" xmlns:hp="http://schemas.haansoft.com/office/presentation/8.0" lang="ko-KR" altLang="en-US" sz="2400" b="0" i="0" mc:Ignorable="hp" hp:hslEmbossed="0">
-              <a:solidFill>
-                <a:srgbClr val="333333">
-                  <a:alpha val="100000"/>
-                </a:srgbClr>
-              </a:solidFill>
-              <a:latin typeface="Arial"/>
-              <a:ea typeface="한컴 윤고딕 230"/>
-              <a:sym typeface="Wingdings"/>
-            </a:endParaRPr>
-          </a:p>
-          <a:p>
-            <a:pPr marL="269963" lvl="0" indent="-269963" algn="l" defTabSz="927298">
-              <a:lnSpc>
-                <a:spcPct val="100000"/>
-              </a:lnSpc>
-              <a:spcBef>
-                <a:spcPct val="20000"/>
-              </a:spcBef>
-              <a:spcAft>
-                <a:spcPct val="0"/>
-              </a:spcAft>
-              <a:buClr>
-                <a:srgbClr val="2e6774">
-                  <a:alpha val="100000"/>
-                </a:srgbClr>
-              </a:buClr>
-              <a:buSzPct val="80000"/>
-              <a:buFont typeface="Wingdings"/>
-              <a:buChar char="£"/>
-              <a:defRPr lang="ko-KR" altLang="en-US"/>
-            </a:pPr>
-            <a:r>
-              <a:rPr xmlns:mc="http://schemas.openxmlformats.org/markup-compatibility/2006" xmlns:hp="http://schemas.haansoft.com/office/presentation/8.0" lang="ko-KR" altLang="en-US" sz="2400" b="0" i="0" mc:Ignorable="hp" hp:hslEmbossed="0">
-                <a:solidFill>
-                  <a:srgbClr val="333333">
-                    <a:alpha val="100000"/>
-                  </a:srgbClr>
-                </a:solidFill>
-                <a:latin typeface="Arial"/>
-                <a:ea typeface="한컴 윤고딕 230"/>
-                <a:sym typeface="Wingdings"/>
-              </a:rPr>
-              <a:t>밑에는 사진을 넣을 것</a:t>
-            </a:r>
-            <a:endParaRPr xmlns:mc="http://schemas.openxmlformats.org/markup-compatibility/2006" xmlns:hp="http://schemas.haansoft.com/office/presentation/8.0" lang="ko-KR" altLang="en-US" sz="2400" b="0" i="0" mc:Ignorable="hp" hp:hslEmbossed="0">
-              <a:solidFill>
-                <a:srgbClr val="333333">
-                  <a:alpha val="100000"/>
-                </a:srgbClr>
-              </a:solidFill>
-              <a:latin typeface="Arial"/>
-              <a:ea typeface="한컴 윤고딕 230"/>
-              <a:sym typeface="Wingdings"/>
-            </a:endParaRPr>
-          </a:p>
-          <a:p>
-            <a:pPr marL="269963" lvl="0" indent="-269963" algn="l" defTabSz="927298">
-              <a:lnSpc>
-                <a:spcPct val="100000"/>
-              </a:lnSpc>
-              <a:spcBef>
-                <a:spcPct val="20000"/>
-              </a:spcBef>
-              <a:spcAft>
-                <a:spcPct val="0"/>
-              </a:spcAft>
-              <a:buClr>
-                <a:srgbClr val="2e6774">
-                  <a:alpha val="100000"/>
-                </a:srgbClr>
-              </a:buClr>
-              <a:buSzPct val="80000"/>
-              <a:buFont typeface="Wingdings"/>
-              <a:buChar char="£"/>
-              <a:defRPr lang="ko-KR" altLang="en-US"/>
-            </a:pPr>
-            <a:endParaRPr xmlns:mc="http://schemas.openxmlformats.org/markup-compatibility/2006" xmlns:hp="http://schemas.haansoft.com/office/presentation/8.0" lang="ko-KR" altLang="ko-KR" sz="2400" b="0" i="0" mc:Ignorable="hp" hp:hslEmbossed="0">
-              <a:solidFill>
-                <a:srgbClr val="333333">
-                  <a:alpha val="100000"/>
-                </a:srgbClr>
-              </a:solidFill>
-              <a:latin typeface="Arial"/>
-              <a:ea typeface="한컴 윤고딕 230"/>
-              <a:sym typeface="Wingdings"/>
-            </a:endParaRPr>
-          </a:p>
-          <a:p>
-            <a:pPr marL="269963" lvl="0" indent="-269963" algn="l" defTabSz="927298">
-              <a:lnSpc>
-                <a:spcPct val="100000"/>
-              </a:lnSpc>
-              <a:spcBef>
-                <a:spcPct val="20000"/>
-              </a:spcBef>
-              <a:spcAft>
-                <a:spcPct val="0"/>
-              </a:spcAft>
-              <a:buNone/>
-              <a:defRPr lang="ko-KR" altLang="en-US"/>
-            </a:pPr>
-            <a:endParaRPr xmlns:mc="http://schemas.openxmlformats.org/markup-compatibility/2006" xmlns:hp="http://schemas.haansoft.com/office/presentation/8.0" lang="ko-KR" altLang="ko-KR" sz="2400" b="0" i="0" mc:Ignorable="hp" hp:hslEmbossed="0">
-              <a:solidFill>
-                <a:srgbClr val="333333">
-                  <a:alpha val="100000"/>
-                </a:srgbClr>
-              </a:solidFill>
-              <a:latin typeface="Arial"/>
-              <a:ea typeface="한컴 윤고딕 230"/>
-              <a:sym typeface="Wingdings"/>
-            </a:endParaRPr>
-          </a:p>
-        </p:txBody>
-      </p:sp>
-    </p:spTree>
-  </p:cSld>
-  <p:clrMapOvr>
-    <a:masterClrMapping/>
-  </p:clrMapOvr>
-  <p:transition xmlns:mc="http://schemas.openxmlformats.org/markup-compatibility/2006" xmlns:hp="http://schemas.haansoft.com/office/presentation/8.0" mc:Ignorable="hp" hp:hslDur="500"/>
-</p:sld>
-</file>
-
-<file path=ppt/slides/slide3.xml><?xml version="1.0" encoding="utf-8"?>
-<p:sld xmlns:r="http://schemas.openxmlformats.org/officeDocument/2006/relationships" xmlns:c="http://schemas.openxmlformats.org/drawingml/2006/chart" xmlns:a="http://schemas.openxmlformats.org/drawingml/2006/main" xmlns:dgm="http://schemas.openxmlformats.org/drawingml/2006/diagram" xmlns:dsp="http://schemas.microsoft.com/office/drawing/2008/diagram" xmlns:p="http://schemas.openxmlformats.org/presentationml/2006/main">
-  <p:cSld>
-    <p:spTree>
-      <p:nvGrpSpPr>
-        <p:cNvPr id="1" name=""/>
-        <p:cNvGrpSpPr/>
-        <p:nvPr/>
-      </p:nvGrpSpPr>
-      <p:grpSpPr>
-        <a:xfrm>
-          <a:off x="0" y="0"/>
-          <a:ext cx="0" cy="0"/>
-          <a:chOff x="0" y="0"/>
-          <a:chExt cx="0" cy="0"/>
-        </a:xfrm>
-      </p:grpSpPr>
-      <p:sp>
-        <p:nvSpPr>
           <p:cNvPr id="7172" name="제목 1"/>
           <p:cNvSpPr>
             <a:spLocks noGrp="1"/>
@@ -15793,7 +11989,7 @@
 </p:sld>
 </file>
 
-<file path=ppt/slides/slide4.xml><?xml version="1.0" encoding="utf-8"?>
+<file path=ppt/slides/slide3.xml><?xml version="1.0" encoding="utf-8"?>
 <p:sld xmlns:r="http://schemas.openxmlformats.org/officeDocument/2006/relationships" xmlns:c="http://schemas.openxmlformats.org/drawingml/2006/chart" xmlns:a="http://schemas.openxmlformats.org/drawingml/2006/main" xmlns:dgm="http://schemas.openxmlformats.org/drawingml/2006/diagram" xmlns:dsp="http://schemas.microsoft.com/office/drawing/2008/diagram" xmlns:p="http://schemas.openxmlformats.org/presentationml/2006/main">
   <p:cSld>
     <p:spTree>
@@ -17010,7 +13206,7 @@
 </p:sld>
 </file>
 
-<file path=ppt/slides/slide5.xml><?xml version="1.0" encoding="utf-8"?>
+<file path=ppt/slides/slide4.xml><?xml version="1.0" encoding="utf-8"?>
 <p:sld xmlns:r="http://schemas.openxmlformats.org/officeDocument/2006/relationships" xmlns:c="http://schemas.openxmlformats.org/drawingml/2006/chart" xmlns:a="http://schemas.openxmlformats.org/drawingml/2006/main" xmlns:dgm="http://schemas.openxmlformats.org/drawingml/2006/diagram" xmlns:dsp="http://schemas.microsoft.com/office/drawing/2008/diagram" xmlns:p="http://schemas.openxmlformats.org/presentationml/2006/main">
   <p:cSld>
     <p:spTree>
@@ -17175,7 +13371,7 @@
 </p:sld>
 </file>
 
-<file path=ppt/slides/slide6.xml><?xml version="1.0" encoding="utf-8"?>
+<file path=ppt/slides/slide5.xml><?xml version="1.0" encoding="utf-8"?>
 <p:sld xmlns:r="http://schemas.openxmlformats.org/officeDocument/2006/relationships" xmlns:c="http://schemas.openxmlformats.org/drawingml/2006/chart" xmlns:a="http://schemas.openxmlformats.org/drawingml/2006/main" xmlns:dgm="http://schemas.openxmlformats.org/drawingml/2006/diagram" xmlns:dsp="http://schemas.microsoft.com/office/drawing/2008/diagram" xmlns:p="http://schemas.openxmlformats.org/presentationml/2006/main">
   <p:cSld>
     <p:spTree>
@@ -18647,7 +14843,7 @@
 </p:sld>
 </file>
 
-<file path=ppt/slides/slide7.xml><?xml version="1.0" encoding="utf-8"?>
+<file path=ppt/slides/slide6.xml><?xml version="1.0" encoding="utf-8"?>
 <p:sld xmlns:r="http://schemas.openxmlformats.org/officeDocument/2006/relationships" xmlns:c="http://schemas.openxmlformats.org/drawingml/2006/chart" xmlns:a="http://schemas.openxmlformats.org/drawingml/2006/main" xmlns:dgm="http://schemas.openxmlformats.org/drawingml/2006/diagram" xmlns:dsp="http://schemas.microsoft.com/office/drawing/2008/diagram" xmlns:p="http://schemas.openxmlformats.org/presentationml/2006/main">
   <p:cSld>
     <p:spTree>
@@ -20159,260 +16355,6 @@
 </file>
 
 <file path=ppt/theme/theme4.xml><?xml version="1.0" encoding="utf-8"?>
-<a:theme xmlns:r="http://schemas.openxmlformats.org/officeDocument/2006/relationships" xmlns:c="http://schemas.openxmlformats.org/drawingml/2006/chart" xmlns:dgm="http://schemas.openxmlformats.org/drawingml/2006/diagram" xmlns:dsp="http://schemas.microsoft.com/office/drawing/2008/diagram" xmlns:a="http://schemas.openxmlformats.org/drawingml/2006/main" xmlns:pic="http://schemas.openxmlformats.org/drawingml/2006/picture" xmlns:wp="http://schemas.openxmlformats.org/drawingml/2006/wordprocessingDrawing" xmlns:xdr="http://schemas.openxmlformats.org/drawingml/2006/spreadsheetDrawing" name="">
-  <a:themeElements>
-    <a:clrScheme name="PowerPoint">
-      <a:dk1>
-        <a:srgbClr val="333333"/>
-      </a:dk1>
-      <a:lt1>
-        <a:srgbClr val="ffffff"/>
-      </a:lt1>
-      <a:dk2>
-        <a:srgbClr val="333333"/>
-      </a:dk2>
-      <a:lt2>
-        <a:srgbClr val="b9d6db"/>
-      </a:lt2>
-      <a:accent1>
-        <a:srgbClr val="2e6774"/>
-      </a:accent1>
-      <a:accent2>
-        <a:srgbClr val="00825a"/>
-      </a:accent2>
-      <a:accent3>
-        <a:srgbClr val="333333"/>
-      </a:accent3>
-      <a:accent4>
-        <a:srgbClr val="4338c6"/>
-      </a:accent4>
-      <a:accent5>
-        <a:srgbClr val="b2ceff"/>
-      </a:accent5>
-      <a:accent6>
-        <a:srgbClr val="b9b9b9"/>
-      </a:accent6>
-      <a:hlink>
-        <a:srgbClr val="0000ff"/>
-      </a:hlink>
-      <a:folHlink>
-        <a:srgbClr val="800080"/>
-      </a:folHlink>
-    </a:clrScheme>
-    <a:fontScheme name="">
-      <a:majorFont>
-        <a:latin typeface="Arial"/>
-        <a:ea typeface=""/>
-        <a:cs typeface="Arial"/>
-      </a:majorFont>
-      <a:minorFont>
-        <a:latin typeface="Arial"/>
-        <a:ea typeface=""/>
-        <a:cs typeface="Arial"/>
-      </a:minorFont>
-    </a:fontScheme>
-    <a:fmtScheme name="한컴오피스">
-      <a:fillStyleLst>
-        <a:solidFill>
-          <a:schemeClr val="phClr"/>
-        </a:solidFill>
-        <a:gradFill rotWithShape="1">
-          <a:gsLst>
-            <a:gs pos="0">
-              <a:schemeClr val="phClr">
-                <a:tint val="50000"/>
-                <a:satMod val="300000"/>
-              </a:schemeClr>
-            </a:gs>
-            <a:gs pos="35000">
-              <a:schemeClr val="phClr">
-                <a:tint val="37000"/>
-                <a:satMod val="300000"/>
-              </a:schemeClr>
-            </a:gs>
-            <a:gs pos="100000">
-              <a:schemeClr val="phClr">
-                <a:tint val="15000"/>
-                <a:satMod val="350000"/>
-              </a:schemeClr>
-            </a:gs>
-          </a:gsLst>
-          <a:lin ang="16200000" scaled="1"/>
-        </a:gradFill>
-        <a:gradFill rotWithShape="1">
-          <a:gsLst>
-            <a:gs pos="0">
-              <a:schemeClr val="phClr">
-                <a:shade val="51000"/>
-                <a:satMod val="130000"/>
-              </a:schemeClr>
-            </a:gs>
-            <a:gs pos="80000">
-              <a:schemeClr val="phClr">
-                <a:shade val="93000"/>
-                <a:satMod val="130000"/>
-              </a:schemeClr>
-            </a:gs>
-            <a:gs pos="100000">
-              <a:schemeClr val="phClr">
-                <a:shade val="94000"/>
-                <a:satMod val="135000"/>
-              </a:schemeClr>
-            </a:gs>
-          </a:gsLst>
-          <a:lin ang="16200000" scaled="0"/>
-        </a:gradFill>
-      </a:fillStyleLst>
-      <a:lnStyleLst>
-        <a:ln w="12700" cap="flat" cmpd="sng" algn="ctr">
-          <a:solidFill>
-            <a:schemeClr val="phClr">
-              <a:satMod val="105000"/>
-            </a:schemeClr>
-          </a:solidFill>
-          <a:prstDash val="solid"/>
-        </a:ln>
-        <a:ln w="19050" cap="flat" cmpd="sng" algn="ctr">
-          <a:solidFill>
-            <a:schemeClr val="phClr"/>
-          </a:solidFill>
-          <a:prstDash val="solid"/>
-        </a:ln>
-        <a:ln w="38100" cap="flat" cmpd="sng" algn="ctr">
-          <a:solidFill>
-            <a:schemeClr val="phClr"/>
-          </a:solidFill>
-          <a:prstDash val="solid"/>
-        </a:ln>
-      </a:lnStyleLst>
-      <a:effectStyleLst>
-        <a:effectStyle>
-          <a:effectLst>
-            <a:outerShdw blurRad="38100" dist="25400" dir="5400000" rotWithShape="0">
-              <a:srgbClr val="000000">
-                <a:alpha val="75000"/>
-              </a:srgbClr>
-            </a:outerShdw>
-          </a:effectLst>
-        </a:effectStyle>
-        <a:effectStyle>
-          <a:effectLst>
-            <a:outerShdw blurRad="38100" dist="25400" dir="5400000" rotWithShape="0">
-              <a:srgbClr val="000000">
-                <a:alpha val="75000"/>
-              </a:srgbClr>
-            </a:outerShdw>
-          </a:effectLst>
-        </a:effectStyle>
-        <a:effectStyle>
-          <a:effectLst>
-            <a:reflection blurRad="12700" stA="26000" endPos="28000" dist="38100" dir="5400000" sy="-100000" rotWithShape="0"/>
-          </a:effectLst>
-        </a:effectStyle>
-      </a:effectStyleLst>
-      <a:bgFillStyleLst>
-        <a:solidFill>
-          <a:schemeClr val="phClr"/>
-        </a:solidFill>
-        <a:gradFill rotWithShape="1">
-          <a:gsLst>
-            <a:gs pos="0">
-              <a:schemeClr val="phClr">
-                <a:tint val="40000"/>
-                <a:satMod val="350000"/>
-              </a:schemeClr>
-            </a:gs>
-            <a:gs pos="40000">
-              <a:schemeClr val="phClr">
-                <a:tint val="45000"/>
-                <a:shade val="99000"/>
-                <a:satMod val="350000"/>
-              </a:schemeClr>
-            </a:gs>
-            <a:gs pos="100000">
-              <a:schemeClr val="phClr">
-                <a:shade val="20000"/>
-                <a:satMod val="255000"/>
-              </a:schemeClr>
-            </a:gs>
-          </a:gsLst>
-          <a:path path="circle">
-            <a:fillToRect l="50000" t="-80000" r="50000" b="180000"/>
-          </a:path>
-        </a:gradFill>
-        <a:gradFill rotWithShape="1">
-          <a:gsLst>
-            <a:gs pos="0">
-              <a:schemeClr val="phClr">
-                <a:tint val="80000"/>
-                <a:satMod val="300000"/>
-              </a:schemeClr>
-            </a:gs>
-            <a:gs pos="100000">
-              <a:schemeClr val="phClr">
-                <a:shade val="30000"/>
-                <a:satMod val="200000"/>
-              </a:schemeClr>
-            </a:gs>
-          </a:gsLst>
-          <a:path path="circle">
-            <a:fillToRect l="50000" t="50000" r="50000" b="50000"/>
-          </a:path>
-        </a:gradFill>
-      </a:bgFillStyleLst>
-    </a:fmtScheme>
-  </a:themeElements>
-  <a:objectDefaults>
-    <a:spDef>
-      <a:spPr/>
-      <a:bodyPr/>
-      <a:lstStyle/>
-      <a:style>
-        <a:lnRef idx="2">
-          <a:schemeClr val="accent1">
-            <a:shade val="20000"/>
-          </a:schemeClr>
-        </a:lnRef>
-        <a:fillRef idx="1">
-          <a:schemeClr val="accent1"/>
-        </a:fillRef>
-        <a:effectRef idx="0">
-          <a:schemeClr val="accent1"/>
-        </a:effectRef>
-        <a:fontRef idx="minor">
-          <a:schemeClr val="lt1"/>
-        </a:fontRef>
-      </a:style>
-    </a:spDef>
-    <a:lnDef>
-      <a:spPr/>
-      <a:bodyPr/>
-      <a:lstStyle/>
-      <a:style>
-        <a:lnRef idx="1">
-          <a:schemeClr val="accent1"/>
-        </a:lnRef>
-        <a:fillRef idx="0">
-          <a:schemeClr val="accent1"/>
-        </a:fillRef>
-        <a:effectRef idx="0">
-          <a:schemeClr val="accent1"/>
-        </a:effectRef>
-        <a:fontRef idx="minor">
-          <a:schemeClr val="tx1"/>
-        </a:fontRef>
-      </a:style>
-    </a:lnDef>
-    <a:txDef>
-      <a:spPr/>
-      <a:bodyPr/>
-      <a:lstStyle/>
-    </a:txDef>
-  </a:objectDefaults>
-</a:theme>
-</file>
-
-<file path=ppt/theme/theme5.xml><?xml version="1.0" encoding="utf-8"?>
 <a:theme xmlns:r="http://schemas.openxmlformats.org/officeDocument/2006/relationships" xmlns:c="http://schemas.openxmlformats.org/drawingml/2006/chart" xmlns:dgm="http://schemas.openxmlformats.org/drawingml/2006/diagram" xmlns:dsp="http://schemas.microsoft.com/office/drawing/2008/diagram" xmlns:a="http://schemas.openxmlformats.org/drawingml/2006/main" xmlns:pic="http://schemas.openxmlformats.org/drawingml/2006/picture" xmlns:wp="http://schemas.openxmlformats.org/drawingml/2006/wordprocessingDrawing" xmlns:xdr="http://schemas.openxmlformats.org/drawingml/2006/spreadsheetDrawing" name="한컴오피스">
   <a:themeElements>
     <a:clrScheme name="한컴오피스">
